--- a/Administracion Gerencial/TP - Gladiator.pptx
+++ b/Administracion Gerencial/TP - Gladiator.pptx
@@ -204,7 +204,7 @@
           <a:p>
             <a:fld id="{33076B21-F0D7-4106-80D3-50F17C8FC7D5}" type="datetimeFigureOut">
               <a:rPr lang="es-AR" smtClean="0"/>
-              <a:t>14/11/2010</a:t>
+              <a:t>16/11/2010</a:t>
             </a:fld>
             <a:endParaRPr lang="es-AR"/>
           </a:p>
@@ -3439,7 +3439,7 @@
           <a:p>
             <a:fld id="{7A847CFC-816F-41D0-AAC0-9BF4FEBC753E}" type="datetimeFigureOut">
               <a:rPr lang="es-ES" smtClean="0"/>
-              <a:t>14/11/2010</a:t>
+              <a:t>16/11/2010</a:t>
             </a:fld>
             <a:endParaRPr lang="es-ES"/>
           </a:p>
@@ -3604,7 +3604,7 @@
           <a:p>
             <a:fld id="{7A847CFC-816F-41D0-AAC0-9BF4FEBC753E}" type="datetimeFigureOut">
               <a:rPr lang="es-ES" smtClean="0"/>
-              <a:t>14/11/2010</a:t>
+              <a:t>16/11/2010</a:t>
             </a:fld>
             <a:endParaRPr lang="es-ES"/>
           </a:p>
@@ -3779,7 +3779,7 @@
           <a:p>
             <a:fld id="{7A847CFC-816F-41D0-AAC0-9BF4FEBC753E}" type="datetimeFigureOut">
               <a:rPr lang="es-ES" smtClean="0"/>
-              <a:t>14/11/2010</a:t>
+              <a:t>16/11/2010</a:t>
             </a:fld>
             <a:endParaRPr lang="es-ES"/>
           </a:p>
@@ -3926,7 +3926,7 @@
           <a:p>
             <a:fld id="{7A847CFC-816F-41D0-AAC0-9BF4FEBC753E}" type="datetimeFigureOut">
               <a:rPr lang="es-ES" smtClean="0"/>
-              <a:t>14/11/2010</a:t>
+              <a:t>16/11/2010</a:t>
             </a:fld>
             <a:endParaRPr lang="es-ES"/>
           </a:p>
@@ -4043,7 +4043,7 @@
           <a:p>
             <a:fld id="{7A847CFC-816F-41D0-AAC0-9BF4FEBC753E}" type="datetimeFigureOut">
               <a:rPr lang="es-ES" smtClean="0"/>
-              <a:t>14/11/2010</a:t>
+              <a:t>16/11/2010</a:t>
             </a:fld>
             <a:endParaRPr lang="es-ES"/>
           </a:p>
@@ -4313,7 +4313,7 @@
           <a:p>
             <a:fld id="{7A847CFC-816F-41D0-AAC0-9BF4FEBC753E}" type="datetimeFigureOut">
               <a:rPr lang="es-ES" smtClean="0"/>
-              <a:t>14/11/2010</a:t>
+              <a:t>16/11/2010</a:t>
             </a:fld>
             <a:endParaRPr lang="es-ES"/>
           </a:p>
@@ -4582,7 +4582,7 @@
           <a:p>
             <a:fld id="{7A847CFC-816F-41D0-AAC0-9BF4FEBC753E}" type="datetimeFigureOut">
               <a:rPr lang="es-ES" smtClean="0"/>
-              <a:t>14/11/2010</a:t>
+              <a:t>16/11/2010</a:t>
             </a:fld>
             <a:endParaRPr lang="es-ES"/>
           </a:p>
@@ -5029,7 +5029,7 @@
           <a:p>
             <a:fld id="{7A847CFC-816F-41D0-AAC0-9BF4FEBC753E}" type="datetimeFigureOut">
               <a:rPr lang="es-ES" smtClean="0"/>
-              <a:t>14/11/2010</a:t>
+              <a:t>16/11/2010</a:t>
             </a:fld>
             <a:endParaRPr lang="es-ES"/>
           </a:p>
@@ -5142,7 +5142,7 @@
           <a:p>
             <a:fld id="{7A847CFC-816F-41D0-AAC0-9BF4FEBC753E}" type="datetimeFigureOut">
               <a:rPr lang="es-ES" smtClean="0"/>
-              <a:t>14/11/2010</a:t>
+              <a:t>16/11/2010</a:t>
             </a:fld>
             <a:endParaRPr lang="es-ES"/>
           </a:p>
@@ -5392,7 +5392,7 @@
           <a:p>
             <a:fld id="{7A847CFC-816F-41D0-AAC0-9BF4FEBC753E}" type="datetimeFigureOut">
               <a:rPr lang="es-ES" smtClean="0"/>
-              <a:t>14/11/2010</a:t>
+              <a:t>16/11/2010</a:t>
             </a:fld>
             <a:endParaRPr lang="es-ES"/>
           </a:p>
@@ -5632,7 +5632,7 @@
           <a:p>
             <a:fld id="{7A847CFC-816F-41D0-AAC0-9BF4FEBC753E}" type="datetimeFigureOut">
               <a:rPr lang="es-ES" smtClean="0"/>
-              <a:t>14/11/2010</a:t>
+              <a:t>16/11/2010</a:t>
             </a:fld>
             <a:endParaRPr lang="es-ES"/>
           </a:p>
@@ -5805,7 +5805,7 @@
           <a:p>
             <a:fld id="{7A847CFC-816F-41D0-AAC0-9BF4FEBC753E}" type="datetimeFigureOut">
               <a:rPr lang="es-ES" smtClean="0"/>
-              <a:t>14/11/2010</a:t>
+              <a:t>16/11/2010</a:t>
             </a:fld>
             <a:endParaRPr lang="es-ES"/>
           </a:p>
@@ -7150,58 +7150,36 @@
           <a:chExt cx="0" cy="0"/>
         </a:xfrm>
       </p:grpSpPr>
-      <p:sp>
-        <p:nvSpPr>
-          <p:cNvPr id="2" name="1 Marcador de contenido"/>
-          <p:cNvSpPr>
-            <a:spLocks noGrp="1"/>
-          </p:cNvSpPr>
-          <p:nvPr>
-            <p:ph idx="1"/>
-          </p:nvPr>
-        </p:nvSpPr>
-        <p:spPr/>
-        <p:txBody>
-          <a:bodyPr/>
-          <a:lstStyle/>
-          <a:p>
-            <a:pPr marL="0" indent="0">
-              <a:buNone/>
-            </a:pPr>
-            <a:r>
-              <a:rPr lang="es-AR" dirty="0" smtClean="0">
-                <a:latin typeface="Impact" pitchFamily="34" charset="0"/>
-              </a:rPr>
-              <a:t>Máximo Décimo </a:t>
-            </a:r>
-            <a:r>
-              <a:rPr lang="es-AR" dirty="0" err="1" smtClean="0">
-                <a:latin typeface="Impact" pitchFamily="34" charset="0"/>
-              </a:rPr>
-              <a:t>Meridio</a:t>
-            </a:r>
-            <a:endParaRPr lang="es-AR" dirty="0" smtClean="0">
-              <a:latin typeface="Impact" pitchFamily="34" charset="0"/>
-            </a:endParaRPr>
-          </a:p>
-          <a:p>
-            <a:pPr marL="0" indent="0">
-              <a:buNone/>
-            </a:pPr>
-            <a:endParaRPr lang="es-AR" dirty="0">
-              <a:latin typeface="Impact" pitchFamily="34" charset="0"/>
-            </a:endParaRPr>
-          </a:p>
-          <a:p>
-            <a:pPr marL="0" indent="0">
-              <a:buNone/>
-            </a:pPr>
-            <a:endParaRPr lang="es-AR" dirty="0">
-              <a:latin typeface="Impact" pitchFamily="34" charset="0"/>
-            </a:endParaRPr>
-          </a:p>
-        </p:txBody>
-      </p:sp>
+      <p:pic>
+        <p:nvPicPr>
+          <p:cNvPr id="7" name="6 Imagen"/>
+          <p:cNvPicPr>
+            <a:picLocks noChangeAspect="1"/>
+          </p:cNvPicPr>
+          <p:nvPr/>
+        </p:nvPicPr>
+        <p:blipFill>
+          <a:blip r:embed="rId3">
+            <a:extLst>
+              <a:ext uri="{28A0092B-C50C-407E-A947-70E740481C1C}">
+                <a14:useLocalDpi xmlns:a14="http://schemas.microsoft.com/office/drawing/2010/main" val="0"/>
+              </a:ext>
+            </a:extLst>
+          </a:blip>
+          <a:stretch>
+            <a:fillRect/>
+          </a:stretch>
+        </p:blipFill>
+        <p:spPr>
+          <a:xfrm>
+            <a:off x="0" y="0"/>
+            <a:ext cx="9144000" cy="6858000"/>
+          </a:xfrm>
+          <a:prstGeom prst="rect">
+            <a:avLst/>
+          </a:prstGeom>
+        </p:spPr>
+      </p:pic>
       <p:sp>
         <p:nvSpPr>
           <p:cNvPr id="3" name="2 Título"/>
@@ -7217,6 +7195,7 @@
           <a:bodyPr/>
           <a:lstStyle/>
           <a:p>
+            <a:pPr algn="ctr"/>
             <a:r>
               <a:rPr lang="es-AR" dirty="0" smtClean="0">
                 <a:latin typeface="Impact" pitchFamily="34" charset="0"/>
@@ -7266,49 +7245,36 @@
           <a:chExt cx="0" cy="0"/>
         </a:xfrm>
       </p:grpSpPr>
-      <p:sp>
-        <p:nvSpPr>
-          <p:cNvPr id="2" name="1 Marcador de contenido"/>
-          <p:cNvSpPr>
-            <a:spLocks noGrp="1"/>
-          </p:cNvSpPr>
-          <p:nvPr>
-            <p:ph idx="1"/>
-          </p:nvPr>
-        </p:nvSpPr>
-        <p:spPr/>
-        <p:txBody>
-          <a:bodyPr/>
-          <a:lstStyle/>
-          <a:p>
-            <a:pPr marL="0" indent="0">
-              <a:buNone/>
-            </a:pPr>
-            <a:r>
-              <a:rPr lang="es-AR" dirty="0" smtClean="0">
-                <a:latin typeface="Impact" pitchFamily="34" charset="0"/>
-              </a:rPr>
-              <a:t>Marco Aurelio</a:t>
-            </a:r>
-          </a:p>
-          <a:p>
-            <a:pPr marL="0" indent="0">
-              <a:buNone/>
-            </a:pPr>
-            <a:endParaRPr lang="es-AR" dirty="0">
-              <a:latin typeface="Impact" pitchFamily="34" charset="0"/>
-            </a:endParaRPr>
-          </a:p>
-          <a:p>
-            <a:pPr marL="0" indent="0">
-              <a:buNone/>
-            </a:pPr>
-            <a:endParaRPr lang="es-AR" dirty="0">
-              <a:latin typeface="Impact" pitchFamily="34" charset="0"/>
-            </a:endParaRPr>
-          </a:p>
-        </p:txBody>
-      </p:sp>
+      <p:pic>
+        <p:nvPicPr>
+          <p:cNvPr id="5" name="4 Imagen"/>
+          <p:cNvPicPr>
+            <a:picLocks noChangeAspect="1"/>
+          </p:cNvPicPr>
+          <p:nvPr/>
+        </p:nvPicPr>
+        <p:blipFill>
+          <a:blip r:embed="rId3">
+            <a:extLst>
+              <a:ext uri="{28A0092B-C50C-407E-A947-70E740481C1C}">
+                <a14:useLocalDpi xmlns:a14="http://schemas.microsoft.com/office/drawing/2010/main" val="0"/>
+              </a:ext>
+            </a:extLst>
+          </a:blip>
+          <a:stretch>
+            <a:fillRect/>
+          </a:stretch>
+        </p:blipFill>
+        <p:spPr>
+          <a:xfrm>
+            <a:off x="0" y="0"/>
+            <a:ext cx="9144000" cy="6858000"/>
+          </a:xfrm>
+          <a:prstGeom prst="rect">
+            <a:avLst/>
+          </a:prstGeom>
+        </p:spPr>
+      </p:pic>
       <p:sp>
         <p:nvSpPr>
           <p:cNvPr id="3" name="2 Título"/>
@@ -7324,6 +7290,7 @@
           <a:bodyPr/>
           <a:lstStyle/>
           <a:p>
+            <a:pPr algn="ctr"/>
             <a:r>
               <a:rPr lang="es-AR" dirty="0" smtClean="0">
                 <a:latin typeface="Impact" pitchFamily="34" charset="0"/>
@@ -7373,49 +7340,36 @@
           <a:chExt cx="0" cy="0"/>
         </a:xfrm>
       </p:grpSpPr>
-      <p:sp>
-        <p:nvSpPr>
-          <p:cNvPr id="2" name="1 Marcador de contenido"/>
-          <p:cNvSpPr>
-            <a:spLocks noGrp="1"/>
-          </p:cNvSpPr>
-          <p:nvPr>
-            <p:ph idx="1"/>
-          </p:nvPr>
-        </p:nvSpPr>
-        <p:spPr/>
-        <p:txBody>
-          <a:bodyPr/>
-          <a:lstStyle/>
-          <a:p>
-            <a:pPr marL="0" indent="0">
-              <a:buNone/>
-            </a:pPr>
-            <a:r>
-              <a:rPr lang="es-AR" dirty="0" smtClean="0">
-                <a:latin typeface="Impact" pitchFamily="34" charset="0"/>
-              </a:rPr>
-              <a:t>Lucio Aurelio Cómodo</a:t>
-            </a:r>
-          </a:p>
-          <a:p>
-            <a:pPr marL="0" indent="0">
-              <a:buNone/>
-            </a:pPr>
-            <a:endParaRPr lang="es-AR" dirty="0">
-              <a:latin typeface="Impact" pitchFamily="34" charset="0"/>
-            </a:endParaRPr>
-          </a:p>
-          <a:p>
-            <a:pPr marL="0" indent="0">
-              <a:buNone/>
-            </a:pPr>
-            <a:endParaRPr lang="es-AR" dirty="0">
-              <a:latin typeface="Impact" pitchFamily="34" charset="0"/>
-            </a:endParaRPr>
-          </a:p>
-        </p:txBody>
-      </p:sp>
+      <p:pic>
+        <p:nvPicPr>
+          <p:cNvPr id="5" name="4 Imagen"/>
+          <p:cNvPicPr>
+            <a:picLocks noChangeAspect="1"/>
+          </p:cNvPicPr>
+          <p:nvPr/>
+        </p:nvPicPr>
+        <p:blipFill>
+          <a:blip r:embed="rId3">
+            <a:extLst>
+              <a:ext uri="{28A0092B-C50C-407E-A947-70E740481C1C}">
+                <a14:useLocalDpi xmlns:a14="http://schemas.microsoft.com/office/drawing/2010/main" val="0"/>
+              </a:ext>
+            </a:extLst>
+          </a:blip>
+          <a:stretch>
+            <a:fillRect/>
+          </a:stretch>
+        </p:blipFill>
+        <p:spPr>
+          <a:xfrm>
+            <a:off x="0" y="0"/>
+            <a:ext cx="9144000" cy="6858000"/>
+          </a:xfrm>
+          <a:prstGeom prst="rect">
+            <a:avLst/>
+          </a:prstGeom>
+        </p:spPr>
+      </p:pic>
       <p:sp>
         <p:nvSpPr>
           <p:cNvPr id="3" name="2 Título"/>
@@ -7431,6 +7385,7 @@
           <a:bodyPr/>
           <a:lstStyle/>
           <a:p>
+            <a:pPr algn="ctr"/>
             <a:r>
               <a:rPr lang="es-AR" dirty="0" smtClean="0">
                 <a:latin typeface="Impact" pitchFamily="34" charset="0"/>

--- a/Administracion Gerencial/TP - Gladiator.pptx
+++ b/Administracion Gerencial/TP - Gladiator.pptx
@@ -204,6 +204,7 @@
           <a:p>
             <a:fld id="{33076B21-F0D7-4106-80D3-50F17C8FC7D5}" type="datetimeFigureOut">
               <a:rPr lang="es-AR" smtClean="0"/>
+              <a:pPr/>
               <a:t>16/11/2010</a:t>
             </a:fld>
             <a:endParaRPr lang="es-AR"/>
@@ -363,6 +364,7 @@
           <a:p>
             <a:fld id="{144ED755-136A-4963-AA3D-C7EADA1B10EE}" type="slidenum">
               <a:rPr lang="es-AR" smtClean="0"/>
+              <a:pPr/>
               <a:t>‹Nº›</a:t>
             </a:fld>
             <a:endParaRPr lang="es-AR"/>
@@ -372,7 +374,7 @@
     </p:spTree>
     <p:extLst>
       <p:ext uri="{BB962C8B-B14F-4D97-AF65-F5344CB8AC3E}">
-        <p14:creationId xmlns:p14="http://schemas.microsoft.com/office/powerpoint/2010/main" val="2728581960"/>
+        <p14:creationId xmlns:p14="http://schemas.microsoft.com/office/powerpoint/2010/main" xmlns="" val="2728581960"/>
       </p:ext>
     </p:extLst>
   </p:cSld>
@@ -541,6 +543,7 @@
           <a:p>
             <a:fld id="{144ED755-136A-4963-AA3D-C7EADA1B10EE}" type="slidenum">
               <a:rPr lang="es-AR" smtClean="0"/>
+              <a:pPr/>
               <a:t>1</a:t>
             </a:fld>
             <a:endParaRPr lang="es-AR"/>
@@ -550,7 +553,7 @@
     </p:spTree>
     <p:extLst>
       <p:ext uri="{BB962C8B-B14F-4D97-AF65-F5344CB8AC3E}">
-        <p14:creationId xmlns:p14="http://schemas.microsoft.com/office/powerpoint/2010/main" val="1023657746"/>
+        <p14:creationId xmlns:p14="http://schemas.microsoft.com/office/powerpoint/2010/main" xmlns="" val="1023657746"/>
       </p:ext>
     </p:extLst>
   </p:cSld>
@@ -900,6 +903,7 @@
           <a:p>
             <a:fld id="{144ED755-136A-4963-AA3D-C7EADA1B10EE}" type="slidenum">
               <a:rPr lang="es-AR" smtClean="0"/>
+              <a:pPr/>
               <a:t>11</a:t>
             </a:fld>
             <a:endParaRPr lang="es-AR"/>
@@ -909,7 +913,7 @@
     </p:spTree>
     <p:extLst>
       <p:ext uri="{BB962C8B-B14F-4D97-AF65-F5344CB8AC3E}">
-        <p14:creationId xmlns:p14="http://schemas.microsoft.com/office/powerpoint/2010/main" val="1964221215"/>
+        <p14:creationId xmlns:p14="http://schemas.microsoft.com/office/powerpoint/2010/main" xmlns="" val="1964221215"/>
       </p:ext>
     </p:extLst>
   </p:cSld>
@@ -992,6 +996,7 @@
           <a:p>
             <a:fld id="{144ED755-136A-4963-AA3D-C7EADA1B10EE}" type="slidenum">
               <a:rPr lang="es-AR" smtClean="0"/>
+              <a:pPr/>
               <a:t>12</a:t>
             </a:fld>
             <a:endParaRPr lang="es-AR"/>
@@ -1001,7 +1006,7 @@
     </p:spTree>
     <p:extLst>
       <p:ext uri="{BB962C8B-B14F-4D97-AF65-F5344CB8AC3E}">
-        <p14:creationId xmlns:p14="http://schemas.microsoft.com/office/powerpoint/2010/main" val="1964221215"/>
+        <p14:creationId xmlns:p14="http://schemas.microsoft.com/office/powerpoint/2010/main" xmlns="" val="1964221215"/>
       </p:ext>
     </p:extLst>
   </p:cSld>
@@ -1084,6 +1089,7 @@
           <a:p>
             <a:fld id="{144ED755-136A-4963-AA3D-C7EADA1B10EE}" type="slidenum">
               <a:rPr lang="es-AR" smtClean="0"/>
+              <a:pPr/>
               <a:t>13</a:t>
             </a:fld>
             <a:endParaRPr lang="es-AR"/>
@@ -1093,7 +1099,7 @@
     </p:spTree>
     <p:extLst>
       <p:ext uri="{BB962C8B-B14F-4D97-AF65-F5344CB8AC3E}">
-        <p14:creationId xmlns:p14="http://schemas.microsoft.com/office/powerpoint/2010/main" val="1964221215"/>
+        <p14:creationId xmlns:p14="http://schemas.microsoft.com/office/powerpoint/2010/main" xmlns="" val="1964221215"/>
       </p:ext>
     </p:extLst>
   </p:cSld>
@@ -1305,6 +1311,7 @@
           <a:p>
             <a:fld id="{144ED755-136A-4963-AA3D-C7EADA1B10EE}" type="slidenum">
               <a:rPr lang="es-AR" smtClean="0"/>
+              <a:pPr/>
               <a:t>3</a:t>
             </a:fld>
             <a:endParaRPr lang="es-AR"/>
@@ -1314,7 +1321,7 @@
     </p:spTree>
     <p:extLst>
       <p:ext uri="{BB962C8B-B14F-4D97-AF65-F5344CB8AC3E}">
-        <p14:creationId xmlns:p14="http://schemas.microsoft.com/office/powerpoint/2010/main" val="1964221215"/>
+        <p14:creationId xmlns:p14="http://schemas.microsoft.com/office/powerpoint/2010/main" xmlns="" val="1964221215"/>
       </p:ext>
     </p:extLst>
   </p:cSld>
@@ -1442,6 +1449,7 @@
           <a:p>
             <a:fld id="{144ED755-136A-4963-AA3D-C7EADA1B10EE}" type="slidenum">
               <a:rPr lang="es-AR" smtClean="0"/>
+              <a:pPr/>
               <a:t>4</a:t>
             </a:fld>
             <a:endParaRPr lang="es-AR"/>
@@ -1451,7 +1459,7 @@
     </p:spTree>
     <p:extLst>
       <p:ext uri="{BB962C8B-B14F-4D97-AF65-F5344CB8AC3E}">
-        <p14:creationId xmlns:p14="http://schemas.microsoft.com/office/powerpoint/2010/main" val="1964221215"/>
+        <p14:creationId xmlns:p14="http://schemas.microsoft.com/office/powerpoint/2010/main" xmlns="" val="1964221215"/>
       </p:ext>
     </p:extLst>
   </p:cSld>
@@ -1654,6 +1662,7 @@
           <a:p>
             <a:fld id="{144ED755-136A-4963-AA3D-C7EADA1B10EE}" type="slidenum">
               <a:rPr lang="es-AR" smtClean="0"/>
+              <a:pPr/>
               <a:t>5</a:t>
             </a:fld>
             <a:endParaRPr lang="es-AR"/>
@@ -1663,7 +1672,7 @@
     </p:spTree>
     <p:extLst>
       <p:ext uri="{BB962C8B-B14F-4D97-AF65-F5344CB8AC3E}">
-        <p14:creationId xmlns:p14="http://schemas.microsoft.com/office/powerpoint/2010/main" val="1964221215"/>
+        <p14:creationId xmlns:p14="http://schemas.microsoft.com/office/powerpoint/2010/main" xmlns="" val="1964221215"/>
       </p:ext>
     </p:extLst>
   </p:cSld>
@@ -1843,6 +1852,7 @@
           <a:p>
             <a:fld id="{144ED755-136A-4963-AA3D-C7EADA1B10EE}" type="slidenum">
               <a:rPr lang="es-AR" smtClean="0"/>
+              <a:pPr/>
               <a:t>6</a:t>
             </a:fld>
             <a:endParaRPr lang="es-AR"/>
@@ -1852,7 +1862,7 @@
     </p:spTree>
     <p:extLst>
       <p:ext uri="{BB962C8B-B14F-4D97-AF65-F5344CB8AC3E}">
-        <p14:creationId xmlns:p14="http://schemas.microsoft.com/office/powerpoint/2010/main" val="1964221215"/>
+        <p14:creationId xmlns:p14="http://schemas.microsoft.com/office/powerpoint/2010/main" xmlns="" val="1964221215"/>
       </p:ext>
     </p:extLst>
   </p:cSld>
@@ -1980,6 +1990,7 @@
           <a:p>
             <a:fld id="{144ED755-136A-4963-AA3D-C7EADA1B10EE}" type="slidenum">
               <a:rPr lang="es-AR" smtClean="0"/>
+              <a:pPr/>
               <a:t>7</a:t>
             </a:fld>
             <a:endParaRPr lang="es-AR"/>
@@ -1989,7 +2000,7 @@
     </p:spTree>
     <p:extLst>
       <p:ext uri="{BB962C8B-B14F-4D97-AF65-F5344CB8AC3E}">
-        <p14:creationId xmlns:p14="http://schemas.microsoft.com/office/powerpoint/2010/main" val="1964221215"/>
+        <p14:creationId xmlns:p14="http://schemas.microsoft.com/office/powerpoint/2010/main" xmlns="" val="1964221215"/>
       </p:ext>
     </p:extLst>
   </p:cSld>
@@ -2159,6 +2170,7 @@
           <a:p>
             <a:fld id="{144ED755-136A-4963-AA3D-C7EADA1B10EE}" type="slidenum">
               <a:rPr lang="es-AR" smtClean="0"/>
+              <a:pPr/>
               <a:t>8</a:t>
             </a:fld>
             <a:endParaRPr lang="es-AR"/>
@@ -2168,7 +2180,7 @@
     </p:spTree>
     <p:extLst>
       <p:ext uri="{BB962C8B-B14F-4D97-AF65-F5344CB8AC3E}">
-        <p14:creationId xmlns:p14="http://schemas.microsoft.com/office/powerpoint/2010/main" val="1964221215"/>
+        <p14:creationId xmlns:p14="http://schemas.microsoft.com/office/powerpoint/2010/main" xmlns="" val="1964221215"/>
       </p:ext>
     </p:extLst>
   </p:cSld>
@@ -2467,6 +2479,7 @@
           <a:p>
             <a:fld id="{144ED755-136A-4963-AA3D-C7EADA1B10EE}" type="slidenum">
               <a:rPr lang="es-AR" smtClean="0"/>
+              <a:pPr/>
               <a:t>9</a:t>
             </a:fld>
             <a:endParaRPr lang="es-AR"/>
@@ -2476,7 +2489,7 @@
     </p:spTree>
     <p:extLst>
       <p:ext uri="{BB962C8B-B14F-4D97-AF65-F5344CB8AC3E}">
-        <p14:creationId xmlns:p14="http://schemas.microsoft.com/office/powerpoint/2010/main" val="1964221215"/>
+        <p14:creationId xmlns:p14="http://schemas.microsoft.com/office/powerpoint/2010/main" xmlns="" val="1964221215"/>
       </p:ext>
     </p:extLst>
   </p:cSld>
@@ -3130,6 +3143,7 @@
           <a:p>
             <a:fld id="{144ED755-136A-4963-AA3D-C7EADA1B10EE}" type="slidenum">
               <a:rPr lang="es-AR" smtClean="0"/>
+              <a:pPr/>
               <a:t>10</a:t>
             </a:fld>
             <a:endParaRPr lang="es-AR"/>
@@ -3139,7 +3153,7 @@
     </p:spTree>
     <p:extLst>
       <p:ext uri="{BB962C8B-B14F-4D97-AF65-F5344CB8AC3E}">
-        <p14:creationId xmlns:p14="http://schemas.microsoft.com/office/powerpoint/2010/main" val="1964221215"/>
+        <p14:creationId xmlns:p14="http://schemas.microsoft.com/office/powerpoint/2010/main" xmlns="" val="1964221215"/>
       </p:ext>
     </p:extLst>
   </p:cSld>
@@ -3439,6 +3453,7 @@
           <a:p>
             <a:fld id="{7A847CFC-816F-41D0-AAC0-9BF4FEBC753E}" type="datetimeFigureOut">
               <a:rPr lang="es-ES" smtClean="0"/>
+              <a:pPr/>
               <a:t>16/11/2010</a:t>
             </a:fld>
             <a:endParaRPr lang="es-ES"/>
@@ -3462,6 +3477,7 @@
           <a:p>
             <a:fld id="{132FADFE-3B8F-471C-ABF0-DBC7717ECBBC}" type="slidenum">
               <a:rPr lang="es-ES" smtClean="0"/>
+              <a:pPr/>
               <a:t>‹Nº›</a:t>
             </a:fld>
             <a:endParaRPr lang="es-ES"/>
@@ -3604,6 +3620,7 @@
           <a:p>
             <a:fld id="{7A847CFC-816F-41D0-AAC0-9BF4FEBC753E}" type="datetimeFigureOut">
               <a:rPr lang="es-ES" smtClean="0"/>
+              <a:pPr/>
               <a:t>16/11/2010</a:t>
             </a:fld>
             <a:endParaRPr lang="es-ES"/>
@@ -3646,6 +3663,7 @@
           <a:p>
             <a:fld id="{132FADFE-3B8F-471C-ABF0-DBC7717ECBBC}" type="slidenum">
               <a:rPr lang="es-ES" smtClean="0"/>
+              <a:pPr/>
               <a:t>‹Nº›</a:t>
             </a:fld>
             <a:endParaRPr lang="es-ES"/>
@@ -3779,6 +3797,7 @@
           <a:p>
             <a:fld id="{7A847CFC-816F-41D0-AAC0-9BF4FEBC753E}" type="datetimeFigureOut">
               <a:rPr lang="es-ES" smtClean="0"/>
+              <a:pPr/>
               <a:t>16/11/2010</a:t>
             </a:fld>
             <a:endParaRPr lang="es-ES"/>
@@ -3821,6 +3840,7 @@
           <a:p>
             <a:fld id="{132FADFE-3B8F-471C-ABF0-DBC7717ECBBC}" type="slidenum">
               <a:rPr lang="es-ES" smtClean="0"/>
+              <a:pPr/>
               <a:t>‹Nº›</a:t>
             </a:fld>
             <a:endParaRPr lang="es-ES"/>
@@ -3926,6 +3946,7 @@
           <a:p>
             <a:fld id="{7A847CFC-816F-41D0-AAC0-9BF4FEBC753E}" type="datetimeFigureOut">
               <a:rPr lang="es-ES" smtClean="0"/>
+              <a:pPr/>
               <a:t>16/11/2010</a:t>
             </a:fld>
             <a:endParaRPr lang="es-ES"/>
@@ -3953,6 +3974,7 @@
           <a:p>
             <a:fld id="{132FADFE-3B8F-471C-ABF0-DBC7717ECBBC}" type="slidenum">
               <a:rPr lang="es-ES" smtClean="0"/>
+              <a:pPr/>
               <a:t>‹Nº›</a:t>
             </a:fld>
             <a:endParaRPr lang="es-ES"/>
@@ -4043,6 +4065,7 @@
           <a:p>
             <a:fld id="{7A847CFC-816F-41D0-AAC0-9BF4FEBC753E}" type="datetimeFigureOut">
               <a:rPr lang="es-ES" smtClean="0"/>
+              <a:pPr/>
               <a:t>16/11/2010</a:t>
             </a:fld>
             <a:endParaRPr lang="es-ES"/>
@@ -4085,6 +4108,7 @@
           <a:p>
             <a:fld id="{132FADFE-3B8F-471C-ABF0-DBC7717ECBBC}" type="slidenum">
               <a:rPr lang="es-ES" smtClean="0"/>
+              <a:pPr/>
               <a:t>‹Nº›</a:t>
             </a:fld>
             <a:endParaRPr lang="es-ES"/>
@@ -4313,6 +4337,7 @@
           <a:p>
             <a:fld id="{7A847CFC-816F-41D0-AAC0-9BF4FEBC753E}" type="datetimeFigureOut">
               <a:rPr lang="es-ES" smtClean="0"/>
+              <a:pPr/>
               <a:t>16/11/2010</a:t>
             </a:fld>
             <a:endParaRPr lang="es-ES"/>
@@ -4355,6 +4380,7 @@
           <a:p>
             <a:fld id="{132FADFE-3B8F-471C-ABF0-DBC7717ECBBC}" type="slidenum">
               <a:rPr lang="es-ES" smtClean="0"/>
+              <a:pPr/>
               <a:t>‹Nº›</a:t>
             </a:fld>
             <a:endParaRPr lang="es-ES"/>
@@ -4540,6 +4566,7 @@
           <a:p>
             <a:fld id="{132FADFE-3B8F-471C-ABF0-DBC7717ECBBC}" type="slidenum">
               <a:rPr lang="es-ES" smtClean="0"/>
+              <a:pPr/>
               <a:t>‹Nº›</a:t>
             </a:fld>
             <a:endParaRPr lang="es-ES"/>
@@ -4582,6 +4609,7 @@
           <a:p>
             <a:fld id="{7A847CFC-816F-41D0-AAC0-9BF4FEBC753E}" type="datetimeFigureOut">
               <a:rPr lang="es-ES" smtClean="0"/>
+              <a:pPr/>
               <a:t>16/11/2010</a:t>
             </a:fld>
             <a:endParaRPr lang="es-ES"/>
@@ -5029,6 +5057,7 @@
           <a:p>
             <a:fld id="{7A847CFC-816F-41D0-AAC0-9BF4FEBC753E}" type="datetimeFigureOut">
               <a:rPr lang="es-ES" smtClean="0"/>
+              <a:pPr/>
               <a:t>16/11/2010</a:t>
             </a:fld>
             <a:endParaRPr lang="es-ES"/>
@@ -5071,6 +5100,7 @@
           <a:p>
             <a:fld id="{132FADFE-3B8F-471C-ABF0-DBC7717ECBBC}" type="slidenum">
               <a:rPr lang="es-ES" smtClean="0"/>
+              <a:pPr/>
               <a:t>‹Nº›</a:t>
             </a:fld>
             <a:endParaRPr lang="es-ES"/>
@@ -5142,6 +5172,7 @@
           <a:p>
             <a:fld id="{7A847CFC-816F-41D0-AAC0-9BF4FEBC753E}" type="datetimeFigureOut">
               <a:rPr lang="es-ES" smtClean="0"/>
+              <a:pPr/>
               <a:t>16/11/2010</a:t>
             </a:fld>
             <a:endParaRPr lang="es-ES"/>
@@ -5184,6 +5215,7 @@
           <a:p>
             <a:fld id="{132FADFE-3B8F-471C-ABF0-DBC7717ECBBC}" type="slidenum">
               <a:rPr lang="es-ES" smtClean="0"/>
+              <a:pPr/>
               <a:t>‹Nº›</a:t>
             </a:fld>
             <a:endParaRPr lang="es-ES"/>
@@ -5392,6 +5424,7 @@
           <a:p>
             <a:fld id="{7A847CFC-816F-41D0-AAC0-9BF4FEBC753E}" type="datetimeFigureOut">
               <a:rPr lang="es-ES" smtClean="0"/>
+              <a:pPr/>
               <a:t>16/11/2010</a:t>
             </a:fld>
             <a:endParaRPr lang="es-ES"/>
@@ -5415,6 +5448,7 @@
           <a:p>
             <a:fld id="{132FADFE-3B8F-471C-ABF0-DBC7717ECBBC}" type="slidenum">
               <a:rPr lang="es-ES" smtClean="0"/>
+              <a:pPr/>
               <a:t>‹Nº›</a:t>
             </a:fld>
             <a:endParaRPr lang="es-ES"/>
@@ -5632,6 +5666,7 @@
           <a:p>
             <a:fld id="{7A847CFC-816F-41D0-AAC0-9BF4FEBC753E}" type="datetimeFigureOut">
               <a:rPr lang="es-ES" smtClean="0"/>
+              <a:pPr/>
               <a:t>16/11/2010</a:t>
             </a:fld>
             <a:endParaRPr lang="es-ES"/>
@@ -5655,6 +5690,7 @@
           <a:p>
             <a:fld id="{132FADFE-3B8F-471C-ABF0-DBC7717ECBBC}" type="slidenum">
               <a:rPr lang="es-ES" smtClean="0"/>
+              <a:pPr/>
               <a:t>‹Nº›</a:t>
             </a:fld>
             <a:endParaRPr lang="es-ES"/>
@@ -5805,6 +5841,7 @@
           <a:p>
             <a:fld id="{7A847CFC-816F-41D0-AAC0-9BF4FEBC753E}" type="datetimeFigureOut">
               <a:rPr lang="es-ES" smtClean="0"/>
+              <a:pPr/>
               <a:t>16/11/2010</a:t>
             </a:fld>
             <a:endParaRPr lang="es-ES"/>
@@ -5882,6 +5919,7 @@
           <a:p>
             <a:fld id="{132FADFE-3B8F-471C-ABF0-DBC7717ECBBC}" type="slidenum">
               <a:rPr lang="es-ES" smtClean="0"/>
+              <a:pPr/>
               <a:t>‹Nº›</a:t>
             </a:fld>
             <a:endParaRPr lang="es-ES"/>
@@ -6304,10 +6342,10 @@
           <p:nvPr/>
         </p:nvPicPr>
         <p:blipFill rotWithShape="1">
-          <a:blip r:embed="rId3">
+          <a:blip r:embed="rId3" cstate="print">
             <a:extLst>
               <a:ext uri="{28A0092B-C50C-407E-A947-70E740481C1C}">
-                <a14:useLocalDpi xmlns:a14="http://schemas.microsoft.com/office/drawing/2010/main" val="0"/>
+                <a14:useLocalDpi xmlns:a14="http://schemas.microsoft.com/office/drawing/2010/main" xmlns="" val="0"/>
               </a:ext>
             </a:extLst>
           </a:blip>
@@ -6501,7 +6539,7 @@
     </p:spTree>
     <p:extLst>
       <p:ext uri="{BB962C8B-B14F-4D97-AF65-F5344CB8AC3E}">
-        <p14:creationId xmlns:p14="http://schemas.microsoft.com/office/powerpoint/2010/main" val="2126788433"/>
+        <p14:creationId xmlns:p14="http://schemas.microsoft.com/office/powerpoint/2010/main" xmlns="" val="2126788433"/>
       </p:ext>
     </p:extLst>
   </p:cSld>
@@ -6545,60 +6583,79 @@
             <p:ph idx="1"/>
           </p:nvPr>
         </p:nvSpPr>
-        <p:spPr/>
-        <p:txBody>
-          <a:bodyPr/>
+        <p:spPr>
+          <a:xfrm>
+            <a:off x="683568" y="3212976"/>
+            <a:ext cx="8229600" cy="2592288"/>
+          </a:xfrm>
+        </p:spPr>
+        <p:txBody>
+          <a:bodyPr>
+            <a:normAutofit/>
+          </a:bodyPr>
           <a:lstStyle/>
           <a:p>
             <a:pPr marL="0" indent="0">
               <a:buNone/>
             </a:pPr>
             <a:r>
-              <a:rPr lang="es-AR" sz="2000" dirty="0" smtClean="0">
-                <a:latin typeface="Impact" pitchFamily="34" charset="0"/>
-              </a:rPr>
-              <a:t>Persona o grupos de personas que ejercen violencia psicológica extrema, de forma sistemática, durante un tiempo prolongado, sobre otra persona.</a:t>
-            </a:r>
-          </a:p>
-          <a:p>
-            <a:pPr marL="0" indent="0">
-              <a:buNone/>
+              <a:rPr lang="es-AR" sz="2400" dirty="0" smtClean="0">
+                <a:latin typeface="Tahoma" pitchFamily="34" charset="0"/>
+                <a:ea typeface="Tahoma" pitchFamily="34" charset="0"/>
+                <a:cs typeface="Tahoma" pitchFamily="34" charset="0"/>
+              </a:rPr>
+              <a:t>Se </a:t>
+            </a:r>
+            <a:r>
+              <a:rPr lang="es-AR" sz="2400" dirty="0" smtClean="0">
+                <a:latin typeface="Tahoma" pitchFamily="34" charset="0"/>
+                <a:ea typeface="Tahoma" pitchFamily="34" charset="0"/>
+                <a:cs typeface="Tahoma" pitchFamily="34" charset="0"/>
+              </a:rPr>
+              <a:t>identifican en diferentes situaciones</a:t>
+            </a:r>
+          </a:p>
+          <a:p>
+            <a:pPr indent="274320">
+              <a:lnSpc>
+                <a:spcPct val="150000"/>
+              </a:lnSpc>
             </a:pPr>
-            <a:endParaRPr lang="es-AR" dirty="0" smtClean="0">
-              <a:latin typeface="Impact" pitchFamily="34" charset="0"/>
-            </a:endParaRPr>
-          </a:p>
-          <a:p>
-            <a:pPr marL="0" indent="0">
-              <a:buNone/>
+            <a:r>
+              <a:rPr lang="es-AR" sz="2400" dirty="0" smtClean="0">
+                <a:latin typeface="Tahoma" pitchFamily="34" charset="0"/>
+                <a:ea typeface="Tahoma" pitchFamily="34" charset="0"/>
+                <a:cs typeface="Tahoma" pitchFamily="34" charset="0"/>
+              </a:rPr>
+              <a:t>En el senado</a:t>
+            </a:r>
+          </a:p>
+          <a:p>
+            <a:pPr indent="274320">
+              <a:lnSpc>
+                <a:spcPct val="150000"/>
+              </a:lnSpc>
             </a:pPr>
             <a:r>
-              <a:rPr lang="es-AR" dirty="0" smtClean="0">
-                <a:latin typeface="Impact" pitchFamily="34" charset="0"/>
-              </a:rPr>
-              <a:t>Se identifican en diferentes situaciones</a:t>
-            </a:r>
-          </a:p>
-          <a:p>
-            <a:r>
-              <a:rPr lang="es-AR" dirty="0" smtClean="0">
-                <a:latin typeface="Impact" pitchFamily="34" charset="0"/>
-              </a:rPr>
-              <a:t>En el senado</a:t>
-            </a:r>
-          </a:p>
-          <a:p>
-            <a:r>
-              <a:rPr lang="es-AR" dirty="0" smtClean="0">
-                <a:latin typeface="Impact" pitchFamily="34" charset="0"/>
+              <a:rPr lang="es-AR" sz="2400" dirty="0" smtClean="0">
+                <a:latin typeface="Tahoma" pitchFamily="34" charset="0"/>
+                <a:ea typeface="Tahoma" pitchFamily="34" charset="0"/>
+                <a:cs typeface="Tahoma" pitchFamily="34" charset="0"/>
               </a:rPr>
               <a:t>Cómodo hacia su propia familia</a:t>
             </a:r>
           </a:p>
           <a:p>
-            <a:r>
-              <a:rPr lang="es-AR" dirty="0" smtClean="0">
-                <a:latin typeface="Impact" pitchFamily="34" charset="0"/>
+            <a:pPr indent="274320">
+              <a:lnSpc>
+                <a:spcPct val="150000"/>
+              </a:lnSpc>
+            </a:pPr>
+            <a:r>
+              <a:rPr lang="es-AR" sz="2400" dirty="0" smtClean="0">
+                <a:latin typeface="Tahoma" pitchFamily="34" charset="0"/>
+                <a:ea typeface="Tahoma" pitchFamily="34" charset="0"/>
+                <a:cs typeface="Tahoma" pitchFamily="34" charset="0"/>
               </a:rPr>
               <a:t>Cómodo hacia Máximo</a:t>
             </a:r>
@@ -6632,10 +6689,81 @@
           </a:p>
         </p:txBody>
       </p:sp>
+      <p:cxnSp>
+        <p:nvCxnSpPr>
+          <p:cNvPr id="4" name="3 Conector recto"/>
+          <p:cNvCxnSpPr/>
+          <p:nvPr/>
+        </p:nvCxnSpPr>
+        <p:spPr>
+          <a:xfrm>
+            <a:off x="539552" y="1484784"/>
+            <a:ext cx="7776864" cy="0"/>
+          </a:xfrm>
+          <a:prstGeom prst="line">
+            <a:avLst/>
+          </a:prstGeom>
+          <a:ln/>
+        </p:spPr>
+        <p:style>
+          <a:lnRef idx="2">
+            <a:schemeClr val="accent1"/>
+          </a:lnRef>
+          <a:fillRef idx="0">
+            <a:schemeClr val="accent1"/>
+          </a:fillRef>
+          <a:effectRef idx="1">
+            <a:schemeClr val="accent1"/>
+          </a:effectRef>
+          <a:fontRef idx="minor">
+            <a:schemeClr val="tx1"/>
+          </a:fontRef>
+        </p:style>
+      </p:cxnSp>
+      <p:sp>
+        <p:nvSpPr>
+          <p:cNvPr id="6" name="5 CuadroTexto"/>
+          <p:cNvSpPr txBox="1"/>
+          <p:nvPr/>
+        </p:nvSpPr>
+        <p:spPr>
+          <a:xfrm>
+            <a:off x="683568" y="1700808"/>
+            <a:ext cx="7344816" cy="1569660"/>
+          </a:xfrm>
+          <a:prstGeom prst="rect">
+            <a:avLst/>
+          </a:prstGeom>
+          <a:noFill/>
+        </p:spPr>
+        <p:txBody>
+          <a:bodyPr wrap="square" rtlCol="0">
+            <a:spAutoFit/>
+          </a:bodyPr>
+          <a:lstStyle/>
+          <a:p>
+            <a:r>
+              <a:rPr lang="es-AR" sz="2400" dirty="0" smtClean="0">
+                <a:latin typeface="Tahoma" pitchFamily="34" charset="0"/>
+                <a:ea typeface="Tahoma" pitchFamily="34" charset="0"/>
+                <a:cs typeface="Tahoma" pitchFamily="34" charset="0"/>
+              </a:rPr>
+              <a:t>Persona o grupos de personas que ejercen violencia psicológica extrema, de forma sistemática, durante un tiempo prolongado, sobre otra persona.</a:t>
+            </a:r>
+          </a:p>
+          <a:p>
+            <a:endParaRPr lang="es-AR" sz="2400" dirty="0">
+              <a:latin typeface="Tahoma" pitchFamily="34" charset="0"/>
+              <a:ea typeface="Tahoma" pitchFamily="34" charset="0"/>
+              <a:cs typeface="Tahoma" pitchFamily="34" charset="0"/>
+            </a:endParaRPr>
+          </a:p>
+        </p:txBody>
+      </p:sp>
     </p:spTree>
     <p:extLst>
       <p:ext uri="{BB962C8B-B14F-4D97-AF65-F5344CB8AC3E}">
-        <p14:creationId xmlns:p14="http://schemas.microsoft.com/office/powerpoint/2010/main" val="2273407650"/>
+        <p14:creationId xmlns:p14="http://schemas.microsoft.com/office/powerpoint/2010/main" xmlns="" val="2273407650"/>
       </p:ext>
     </p:extLst>
   </p:cSld>
@@ -6681,55 +6809,62 @@
         </p:nvSpPr>
         <p:spPr>
           <a:xfrm>
-            <a:off x="457200" y="1524000"/>
-            <a:ext cx="8229600" cy="2985120"/>
+            <a:off x="683568" y="3396208"/>
+            <a:ext cx="8229600" cy="1544960"/>
           </a:xfrm>
         </p:spPr>
         <p:txBody>
-          <a:bodyPr/>
+          <a:bodyPr>
+            <a:noAutofit/>
+          </a:bodyPr>
           <a:lstStyle/>
           <a:p>
             <a:pPr marL="0" indent="0">
               <a:buNone/>
             </a:pPr>
             <a:r>
-              <a:rPr lang="es-AR" sz="2000" dirty="0" smtClean="0">
-                <a:latin typeface="Impact" pitchFamily="34" charset="0"/>
-              </a:rPr>
-              <a:t>Consecuencia de una modificación repentina que provoca una estado de desequilibrio e incertidumbre.</a:t>
-            </a:r>
-          </a:p>
-          <a:p>
-            <a:pPr marL="0" indent="0">
-              <a:buNone/>
+              <a:rPr lang="es-AR" sz="2400" dirty="0" smtClean="0">
+                <a:latin typeface="Tahoma" pitchFamily="34" charset="0"/>
+                <a:ea typeface="Tahoma" pitchFamily="34" charset="0"/>
+                <a:cs typeface="Tahoma" pitchFamily="34" charset="0"/>
+              </a:rPr>
+              <a:t>Momentos </a:t>
+            </a:r>
+            <a:r>
+              <a:rPr lang="es-AR" sz="2400" dirty="0" smtClean="0">
+                <a:latin typeface="Tahoma" pitchFamily="34" charset="0"/>
+                <a:ea typeface="Tahoma" pitchFamily="34" charset="0"/>
+                <a:cs typeface="Tahoma" pitchFamily="34" charset="0"/>
+              </a:rPr>
+              <a:t>de crisis</a:t>
+            </a:r>
+          </a:p>
+          <a:p>
+            <a:pPr indent="274320">
+              <a:lnSpc>
+                <a:spcPct val="150000"/>
+              </a:lnSpc>
             </a:pPr>
-            <a:endParaRPr lang="es-AR" dirty="0" smtClean="0">
-              <a:latin typeface="Impact" pitchFamily="34" charset="0"/>
-            </a:endParaRPr>
-          </a:p>
-          <a:p>
-            <a:pPr marL="0" indent="0">
-              <a:buNone/>
+            <a:r>
+              <a:rPr lang="es-AR" sz="2400" dirty="0" smtClean="0">
+                <a:latin typeface="Tahoma" pitchFamily="34" charset="0"/>
+                <a:ea typeface="Tahoma" pitchFamily="34" charset="0"/>
+                <a:cs typeface="Tahoma" pitchFamily="34" charset="0"/>
+              </a:rPr>
+              <a:t>Asesinato de Marco Aurelio</a:t>
+            </a:r>
+          </a:p>
+          <a:p>
+            <a:pPr indent="274320">
+              <a:lnSpc>
+                <a:spcPct val="150000"/>
+              </a:lnSpc>
             </a:pPr>
             <a:r>
-              <a:rPr lang="es-AR" dirty="0" smtClean="0">
-                <a:latin typeface="Impact" pitchFamily="34" charset="0"/>
-              </a:rPr>
-              <a:t>Momentos de crisis</a:t>
-            </a:r>
-          </a:p>
-          <a:p>
-            <a:r>
-              <a:rPr lang="es-AR" dirty="0" smtClean="0">
-                <a:latin typeface="Impact" pitchFamily="34" charset="0"/>
-              </a:rPr>
-              <a:t>Asesinato de Marco Aurelio</a:t>
-            </a:r>
-          </a:p>
-          <a:p>
-            <a:r>
-              <a:rPr lang="es-AR" dirty="0" smtClean="0">
-                <a:latin typeface="Impact" pitchFamily="34" charset="0"/>
+              <a:rPr lang="es-AR" sz="2400" dirty="0" smtClean="0">
+                <a:latin typeface="Tahoma" pitchFamily="34" charset="0"/>
+                <a:ea typeface="Tahoma" pitchFamily="34" charset="0"/>
+                <a:cs typeface="Tahoma" pitchFamily="34" charset="0"/>
               </a:rPr>
               <a:t>Muerte de Cómodo</a:t>
             </a:r>
@@ -6763,43 +6898,485 @@
           </a:p>
         </p:txBody>
       </p:sp>
-      <p:pic>
-        <p:nvPicPr>
-          <p:cNvPr id="5" name="4 Imagen"/>
-          <p:cNvPicPr>
-            <a:picLocks noChangeAspect="1"/>
-          </p:cNvPicPr>
+      <p:cxnSp>
+        <p:nvCxnSpPr>
+          <p:cNvPr id="6" name="5 Conector recto"/>
+          <p:cNvCxnSpPr/>
           <p:nvPr/>
-        </p:nvPicPr>
-        <p:blipFill>
-          <a:blip r:embed="rId3">
-            <a:extLst>
-              <a:ext uri="{28A0092B-C50C-407E-A947-70E740481C1C}">
-                <a14:useLocalDpi xmlns:a14="http://schemas.microsoft.com/office/drawing/2010/main" val="0"/>
-              </a:ext>
-            </a:extLst>
-          </a:blip>
-          <a:stretch>
-            <a:fillRect/>
-          </a:stretch>
-        </p:blipFill>
+        </p:nvCxnSpPr>
         <p:spPr>
           <a:xfrm>
-            <a:off x="4716016" y="3310844"/>
-            <a:ext cx="3991641" cy="2998476"/>
+            <a:off x="539552" y="1484784"/>
+            <a:ext cx="7776864" cy="0"/>
+          </a:xfrm>
+          <a:prstGeom prst="line">
+            <a:avLst/>
+          </a:prstGeom>
+          <a:ln/>
+        </p:spPr>
+        <p:style>
+          <a:lnRef idx="2">
+            <a:schemeClr val="accent1"/>
+          </a:lnRef>
+          <a:fillRef idx="0">
+            <a:schemeClr val="accent1"/>
+          </a:fillRef>
+          <a:effectRef idx="1">
+            <a:schemeClr val="accent1"/>
+          </a:effectRef>
+          <a:fontRef idx="minor">
+            <a:schemeClr val="tx1"/>
+          </a:fontRef>
+        </p:style>
+      </p:cxnSp>
+      <p:sp>
+        <p:nvSpPr>
+          <p:cNvPr id="7" name="6 CuadroTexto"/>
+          <p:cNvSpPr txBox="1"/>
+          <p:nvPr/>
+        </p:nvSpPr>
+        <p:spPr>
+          <a:xfrm>
+            <a:off x="683568" y="1700808"/>
+            <a:ext cx="7272808" cy="1569660"/>
           </a:xfrm>
           <a:prstGeom prst="rect">
             <a:avLst/>
           </a:prstGeom>
-          <a:effectLst>
-            <a:softEdge rad="127000"/>
-          </a:effectLst>
+          <a:noFill/>
         </p:spPr>
-      </p:pic>
+        <p:txBody>
+          <a:bodyPr wrap="square" rtlCol="0">
+            <a:spAutoFit/>
+          </a:bodyPr>
+          <a:lstStyle/>
+          <a:p>
+            <a:r>
+              <a:rPr lang="es-AR" sz="2400" dirty="0" smtClean="0">
+                <a:latin typeface="Tahoma" pitchFamily="34" charset="0"/>
+                <a:ea typeface="Tahoma" pitchFamily="34" charset="0"/>
+                <a:cs typeface="Tahoma" pitchFamily="34" charset="0"/>
+              </a:rPr>
+              <a:t>Consecuencia de una modificación repentina que provoca una estado de desequilibrio e incertidumbre.</a:t>
+            </a:r>
+          </a:p>
+          <a:p>
+            <a:endParaRPr lang="es-AR" sz="2400" dirty="0">
+              <a:latin typeface="Tahoma" pitchFamily="34" charset="0"/>
+              <a:ea typeface="Tahoma" pitchFamily="34" charset="0"/>
+              <a:cs typeface="Tahoma" pitchFamily="34" charset="0"/>
+            </a:endParaRPr>
+          </a:p>
+        </p:txBody>
+      </p:sp>
+      <p:grpSp>
+        <p:nvGrpSpPr>
+          <p:cNvPr id="30" name="29 Grupo"/>
+          <p:cNvGrpSpPr/>
+          <p:nvPr/>
+        </p:nvGrpSpPr>
+        <p:grpSpPr>
+          <a:xfrm>
+            <a:off x="5004048" y="2924944"/>
+            <a:ext cx="3672408" cy="2736304"/>
+            <a:chOff x="4932040" y="2924944"/>
+            <a:chExt cx="3672408" cy="2736304"/>
+          </a:xfrm>
+        </p:grpSpPr>
+        <p:pic>
+          <p:nvPicPr>
+            <p:cNvPr id="5" name="4 Imagen"/>
+            <p:cNvPicPr>
+              <a:picLocks noChangeAspect="1"/>
+            </p:cNvPicPr>
+            <p:nvPr/>
+          </p:nvPicPr>
+          <p:blipFill>
+            <a:blip r:embed="rId3" cstate="print">
+              <a:extLst>
+                <a:ext uri="{28A0092B-C50C-407E-A947-70E740481C1C}">
+                  <a14:useLocalDpi xmlns:a14="http://schemas.microsoft.com/office/drawing/2010/main" xmlns="" val="0"/>
+                </a:ext>
+              </a:extLst>
+            </a:blip>
+            <a:stretch>
+              <a:fillRect/>
+            </a:stretch>
+          </p:blipFill>
+          <p:spPr>
+            <a:xfrm>
+              <a:off x="4932040" y="2924944"/>
+              <a:ext cx="3672408" cy="2736304"/>
+            </a:xfrm>
+            <a:prstGeom prst="rect">
+              <a:avLst/>
+            </a:prstGeom>
+            <a:effectLst>
+              <a:softEdge rad="127000"/>
+            </a:effectLst>
+          </p:spPr>
+        </p:pic>
+        <p:sp>
+          <p:nvSpPr>
+            <p:cNvPr id="21" name="20 Cubo"/>
+            <p:cNvSpPr/>
+            <p:nvPr/>
+          </p:nvSpPr>
+          <p:spPr>
+            <a:xfrm>
+              <a:off x="6660232" y="3933056"/>
+              <a:ext cx="1152128" cy="1152128"/>
+            </a:xfrm>
+            <a:prstGeom prst="cube">
+              <a:avLst>
+                <a:gd name="adj" fmla="val 32853"/>
+              </a:avLst>
+            </a:prstGeom>
+            <a:solidFill>
+              <a:schemeClr val="accent4">
+                <a:alpha val="70000"/>
+              </a:schemeClr>
+            </a:solidFill>
+          </p:spPr>
+          <p:style>
+            <a:lnRef idx="2">
+              <a:schemeClr val="accent4">
+                <a:shade val="50000"/>
+              </a:schemeClr>
+            </a:lnRef>
+            <a:fillRef idx="1">
+              <a:schemeClr val="accent4"/>
+            </a:fillRef>
+            <a:effectRef idx="0">
+              <a:schemeClr val="accent4"/>
+            </a:effectRef>
+            <a:fontRef idx="minor">
+              <a:schemeClr val="lt1"/>
+            </a:fontRef>
+          </p:style>
+          <p:txBody>
+            <a:bodyPr rtlCol="0" anchor="ctr"/>
+            <a:lstStyle/>
+            <a:p>
+              <a:pPr algn="ctr"/>
+              <a:endParaRPr lang="es-AR"/>
+            </a:p>
+          </p:txBody>
+        </p:sp>
+        <p:sp>
+          <p:nvSpPr>
+            <p:cNvPr id="23" name="22 Cubo"/>
+            <p:cNvSpPr/>
+            <p:nvPr/>
+          </p:nvSpPr>
+          <p:spPr>
+            <a:xfrm>
+              <a:off x="5868144" y="3140968"/>
+              <a:ext cx="1152128" cy="1152128"/>
+            </a:xfrm>
+            <a:prstGeom prst="cube">
+              <a:avLst>
+                <a:gd name="adj" fmla="val 32853"/>
+              </a:avLst>
+            </a:prstGeom>
+            <a:solidFill>
+              <a:schemeClr val="accent6">
+                <a:alpha val="70000"/>
+              </a:schemeClr>
+            </a:solidFill>
+          </p:spPr>
+          <p:style>
+            <a:lnRef idx="2">
+              <a:schemeClr val="accent6">
+                <a:shade val="50000"/>
+              </a:schemeClr>
+            </a:lnRef>
+            <a:fillRef idx="1">
+              <a:schemeClr val="accent6"/>
+            </a:fillRef>
+            <a:effectRef idx="0">
+              <a:schemeClr val="accent6"/>
+            </a:effectRef>
+            <a:fontRef idx="minor">
+              <a:schemeClr val="lt1"/>
+            </a:fontRef>
+          </p:style>
+          <p:txBody>
+            <a:bodyPr rtlCol="0" anchor="ctr"/>
+            <a:lstStyle/>
+            <a:p>
+              <a:pPr algn="ctr"/>
+              <a:endParaRPr lang="es-AR"/>
+            </a:p>
+          </p:txBody>
+        </p:sp>
+        <p:sp>
+          <p:nvSpPr>
+            <p:cNvPr id="24" name="23 Cubo"/>
+            <p:cNvSpPr/>
+            <p:nvPr/>
+          </p:nvSpPr>
+          <p:spPr>
+            <a:xfrm>
+              <a:off x="6660232" y="3140968"/>
+              <a:ext cx="1152128" cy="1152128"/>
+            </a:xfrm>
+            <a:prstGeom prst="cube">
+              <a:avLst>
+                <a:gd name="adj" fmla="val 32853"/>
+              </a:avLst>
+            </a:prstGeom>
+            <a:solidFill>
+              <a:schemeClr val="accent5">
+                <a:alpha val="70000"/>
+              </a:schemeClr>
+            </a:solidFill>
+          </p:spPr>
+          <p:style>
+            <a:lnRef idx="2">
+              <a:schemeClr val="accent5">
+                <a:shade val="50000"/>
+              </a:schemeClr>
+            </a:lnRef>
+            <a:fillRef idx="1">
+              <a:schemeClr val="accent5"/>
+            </a:fillRef>
+            <a:effectRef idx="0">
+              <a:schemeClr val="accent5"/>
+            </a:effectRef>
+            <a:fontRef idx="minor">
+              <a:schemeClr val="lt1"/>
+            </a:fontRef>
+          </p:style>
+          <p:txBody>
+            <a:bodyPr rtlCol="0" anchor="ctr"/>
+            <a:lstStyle/>
+            <a:p>
+              <a:pPr algn="ctr"/>
+              <a:endParaRPr lang="es-AR"/>
+            </a:p>
+          </p:txBody>
+        </p:sp>
+        <p:sp>
+          <p:nvSpPr>
+            <p:cNvPr id="29" name="28 Cubo"/>
+            <p:cNvSpPr/>
+            <p:nvPr/>
+          </p:nvSpPr>
+          <p:spPr>
+            <a:xfrm>
+              <a:off x="5508104" y="4293096"/>
+              <a:ext cx="1152128" cy="1152128"/>
+            </a:xfrm>
+            <a:prstGeom prst="cube">
+              <a:avLst>
+                <a:gd name="adj" fmla="val 32853"/>
+              </a:avLst>
+            </a:prstGeom>
+            <a:solidFill>
+              <a:schemeClr val="accent6">
+                <a:lumMod val="75000"/>
+                <a:alpha val="70000"/>
+              </a:schemeClr>
+            </a:solidFill>
+            <a:ln>
+              <a:solidFill>
+                <a:schemeClr val="accent6">
+                  <a:lumMod val="50000"/>
+                </a:schemeClr>
+              </a:solidFill>
+            </a:ln>
+          </p:spPr>
+          <p:style>
+            <a:lnRef idx="2">
+              <a:schemeClr val="accent1">
+                <a:shade val="50000"/>
+              </a:schemeClr>
+            </a:lnRef>
+            <a:fillRef idx="1">
+              <a:schemeClr val="accent1"/>
+            </a:fillRef>
+            <a:effectRef idx="0">
+              <a:schemeClr val="accent1"/>
+            </a:effectRef>
+            <a:fontRef idx="minor">
+              <a:schemeClr val="lt1"/>
+            </a:fontRef>
+          </p:style>
+          <p:txBody>
+            <a:bodyPr rtlCol="0" anchor="ctr"/>
+            <a:lstStyle/>
+            <a:p>
+              <a:pPr algn="ctr"/>
+              <a:endParaRPr lang="es-AR"/>
+            </a:p>
+          </p:txBody>
+        </p:sp>
+        <p:sp>
+          <p:nvSpPr>
+            <p:cNvPr id="27" name="26 Cubo"/>
+            <p:cNvSpPr/>
+            <p:nvPr/>
+          </p:nvSpPr>
+          <p:spPr>
+            <a:xfrm>
+              <a:off x="5508104" y="3501008"/>
+              <a:ext cx="1152128" cy="1152128"/>
+            </a:xfrm>
+            <a:prstGeom prst="cube">
+              <a:avLst>
+                <a:gd name="adj" fmla="val 32853"/>
+              </a:avLst>
+            </a:prstGeom>
+            <a:solidFill>
+              <a:schemeClr val="accent1">
+                <a:alpha val="75000"/>
+              </a:schemeClr>
+            </a:solidFill>
+          </p:spPr>
+          <p:style>
+            <a:lnRef idx="2">
+              <a:schemeClr val="accent1">
+                <a:shade val="50000"/>
+              </a:schemeClr>
+            </a:lnRef>
+            <a:fillRef idx="1">
+              <a:schemeClr val="accent1"/>
+            </a:fillRef>
+            <a:effectRef idx="0">
+              <a:schemeClr val="accent1"/>
+            </a:effectRef>
+            <a:fontRef idx="minor">
+              <a:schemeClr val="lt1"/>
+            </a:fontRef>
+          </p:style>
+          <p:txBody>
+            <a:bodyPr rtlCol="0" anchor="ctr"/>
+            <a:lstStyle/>
+            <a:p>
+              <a:pPr algn="ctr"/>
+              <a:endParaRPr lang="es-AR" dirty="0"/>
+            </a:p>
+          </p:txBody>
+        </p:sp>
+        <p:sp>
+          <p:nvSpPr>
+            <p:cNvPr id="25" name="24 Cubo"/>
+            <p:cNvSpPr/>
+            <p:nvPr/>
+          </p:nvSpPr>
+          <p:spPr>
+            <a:xfrm>
+              <a:off x="6300192" y="4293096"/>
+              <a:ext cx="1152128" cy="1152128"/>
+            </a:xfrm>
+            <a:prstGeom prst="cube">
+              <a:avLst>
+                <a:gd name="adj" fmla="val 32853"/>
+              </a:avLst>
+            </a:prstGeom>
+            <a:solidFill>
+              <a:schemeClr val="accent2">
+                <a:alpha val="70000"/>
+              </a:schemeClr>
+            </a:solidFill>
+          </p:spPr>
+          <p:style>
+            <a:lnRef idx="2">
+              <a:schemeClr val="accent2">
+                <a:shade val="50000"/>
+              </a:schemeClr>
+            </a:lnRef>
+            <a:fillRef idx="1">
+              <a:schemeClr val="accent2"/>
+            </a:fillRef>
+            <a:effectRef idx="0">
+              <a:schemeClr val="accent2"/>
+            </a:effectRef>
+            <a:fontRef idx="minor">
+              <a:schemeClr val="lt1"/>
+            </a:fontRef>
+          </p:style>
+          <p:txBody>
+            <a:bodyPr rtlCol="0" anchor="ctr"/>
+            <a:lstStyle/>
+            <a:p>
+              <a:pPr algn="ctr"/>
+              <a:endParaRPr lang="es-AR"/>
+            </a:p>
+          </p:txBody>
+        </p:sp>
+        <p:sp>
+          <p:nvSpPr>
+            <p:cNvPr id="28" name="27 Cubo"/>
+            <p:cNvSpPr/>
+            <p:nvPr/>
+          </p:nvSpPr>
+          <p:spPr>
+            <a:xfrm>
+              <a:off x="6300192" y="3501008"/>
+              <a:ext cx="1152128" cy="1152128"/>
+            </a:xfrm>
+            <a:prstGeom prst="cube">
+              <a:avLst>
+                <a:gd name="adj" fmla="val 32853"/>
+              </a:avLst>
+            </a:prstGeom>
+            <a:solidFill>
+              <a:srgbClr val="FF3300">
+                <a:alpha val="49804"/>
+              </a:srgbClr>
+            </a:solidFill>
+            <a:ln>
+              <a:solidFill>
+                <a:srgbClr val="C00000">
+                  <a:alpha val="50000"/>
+                </a:srgbClr>
+              </a:solidFill>
+            </a:ln>
+          </p:spPr>
+          <p:style>
+            <a:lnRef idx="2">
+              <a:schemeClr val="accent1">
+                <a:shade val="50000"/>
+              </a:schemeClr>
+            </a:lnRef>
+            <a:fillRef idx="1">
+              <a:schemeClr val="accent1"/>
+            </a:fillRef>
+            <a:effectRef idx="0">
+              <a:schemeClr val="accent1"/>
+            </a:effectRef>
+            <a:fontRef idx="minor">
+              <a:schemeClr val="lt1"/>
+            </a:fontRef>
+          </p:style>
+          <p:txBody>
+            <a:bodyPr rtlCol="0" anchor="ctr"/>
+            <a:lstStyle/>
+            <a:p>
+              <a:pPr algn="ctr"/>
+              <a:r>
+                <a:rPr lang="es-ES" sz="1100" dirty="0" smtClean="0">
+                  <a:latin typeface="Tahoma" pitchFamily="34" charset="0"/>
+                  <a:ea typeface="Tahoma" pitchFamily="34" charset="0"/>
+                  <a:cs typeface="Tahoma" pitchFamily="34" charset="0"/>
+                </a:rPr>
+                <a:t>CRISIS</a:t>
+              </a:r>
+              <a:endParaRPr lang="es-AR" sz="1100" dirty="0">
+                <a:latin typeface="Tahoma" pitchFamily="34" charset="0"/>
+                <a:ea typeface="Tahoma" pitchFamily="34" charset="0"/>
+                <a:cs typeface="Tahoma" pitchFamily="34" charset="0"/>
+              </a:endParaRPr>
+            </a:p>
+          </p:txBody>
+        </p:sp>
+      </p:grpSp>
     </p:spTree>
     <p:extLst>
       <p:ext uri="{BB962C8B-B14F-4D97-AF65-F5344CB8AC3E}">
-        <p14:creationId xmlns:p14="http://schemas.microsoft.com/office/powerpoint/2010/main" val="2974178784"/>
+        <p14:creationId xmlns:p14="http://schemas.microsoft.com/office/powerpoint/2010/main" xmlns="" val="2974178784"/>
       </p:ext>
     </p:extLst>
   </p:cSld>
@@ -6835,38 +7412,6 @@
       </p:grpSpPr>
       <p:sp>
         <p:nvSpPr>
-          <p:cNvPr id="2" name="1 Marcador de contenido"/>
-          <p:cNvSpPr>
-            <a:spLocks noGrp="1"/>
-          </p:cNvSpPr>
-          <p:nvPr>
-            <p:ph idx="1"/>
-          </p:nvPr>
-        </p:nvSpPr>
-        <p:spPr>
-          <a:xfrm>
-            <a:off x="457200" y="1524000"/>
-            <a:ext cx="8229600" cy="2985120"/>
-          </a:xfrm>
-        </p:spPr>
-        <p:txBody>
-          <a:bodyPr/>
-          <a:lstStyle/>
-          <a:p>
-            <a:pPr marL="0" indent="0">
-              <a:buNone/>
-            </a:pPr>
-            <a:r>
-              <a:rPr lang="es-AR" sz="2000" dirty="0" smtClean="0">
-                <a:latin typeface="Impact" pitchFamily="34" charset="0"/>
-              </a:rPr>
-              <a:t>Vamos a poner conclusiones???</a:t>
-            </a:r>
-          </a:p>
-        </p:txBody>
-      </p:sp>
-      <p:sp>
-        <p:nvSpPr>
           <p:cNvPr id="3" name="2 Título"/>
           <p:cNvSpPr>
             <a:spLocks noGrp="1"/>
@@ -6892,10 +7437,150 @@
           </a:p>
         </p:txBody>
       </p:sp>
+      <p:cxnSp>
+        <p:nvCxnSpPr>
+          <p:cNvPr id="4" name="3 Conector recto"/>
+          <p:cNvCxnSpPr/>
+          <p:nvPr/>
+        </p:nvCxnSpPr>
+        <p:spPr>
+          <a:xfrm>
+            <a:off x="539552" y="1484784"/>
+            <a:ext cx="7776864" cy="0"/>
+          </a:xfrm>
+          <a:prstGeom prst="line">
+            <a:avLst/>
+          </a:prstGeom>
+          <a:ln/>
+        </p:spPr>
+        <p:style>
+          <a:lnRef idx="2">
+            <a:schemeClr val="accent1"/>
+          </a:lnRef>
+          <a:fillRef idx="0">
+            <a:schemeClr val="accent1"/>
+          </a:fillRef>
+          <a:effectRef idx="1">
+            <a:schemeClr val="accent1"/>
+          </a:effectRef>
+          <a:fontRef idx="minor">
+            <a:schemeClr val="tx1"/>
+          </a:fontRef>
+        </p:style>
+      </p:cxnSp>
+      <p:sp>
+        <p:nvSpPr>
+          <p:cNvPr id="6" name="5 CuadroTexto"/>
+          <p:cNvSpPr txBox="1"/>
+          <p:nvPr/>
+        </p:nvSpPr>
+        <p:spPr>
+          <a:xfrm>
+            <a:off x="683568" y="1700808"/>
+            <a:ext cx="7272808" cy="3416320"/>
+          </a:xfrm>
+          <a:prstGeom prst="rect">
+            <a:avLst/>
+          </a:prstGeom>
+          <a:noFill/>
+        </p:spPr>
+        <p:txBody>
+          <a:bodyPr wrap="square" rtlCol="0">
+            <a:spAutoFit/>
+          </a:bodyPr>
+          <a:lstStyle/>
+          <a:p>
+            <a:r>
+              <a:rPr lang="es-AR" sz="2400" dirty="0" smtClean="0">
+                <a:latin typeface="Tahoma" pitchFamily="34" charset="0"/>
+                <a:ea typeface="Tahoma" pitchFamily="34" charset="0"/>
+                <a:cs typeface="Tahoma" pitchFamily="34" charset="0"/>
+              </a:rPr>
+              <a:t>Como </a:t>
+            </a:r>
+            <a:r>
+              <a:rPr lang="es-AR" sz="2400" dirty="0" smtClean="0">
+                <a:latin typeface="Tahoma" pitchFamily="34" charset="0"/>
+                <a:ea typeface="Tahoma" pitchFamily="34" charset="0"/>
+                <a:cs typeface="Tahoma" pitchFamily="34" charset="0"/>
+              </a:rPr>
+              <a:t>verán…</a:t>
+            </a:r>
+          </a:p>
+          <a:p>
+            <a:endParaRPr lang="es-AR" sz="2400" dirty="0" smtClean="0">
+              <a:latin typeface="Tahoma" pitchFamily="34" charset="0"/>
+              <a:ea typeface="Tahoma" pitchFamily="34" charset="0"/>
+              <a:cs typeface="Tahoma" pitchFamily="34" charset="0"/>
+            </a:endParaRPr>
+          </a:p>
+          <a:p>
+            <a:r>
+              <a:rPr lang="es-AR" sz="2400" dirty="0" smtClean="0">
+                <a:latin typeface="Tahoma" pitchFamily="34" charset="0"/>
+                <a:ea typeface="Tahoma" pitchFamily="34" charset="0"/>
+                <a:cs typeface="Tahoma" pitchFamily="34" charset="0"/>
+              </a:rPr>
+              <a:t>Los </a:t>
+            </a:r>
+            <a:r>
+              <a:rPr lang="es-AR" sz="2400" dirty="0" smtClean="0">
+                <a:latin typeface="Tahoma" pitchFamily="34" charset="0"/>
+                <a:ea typeface="Tahoma" pitchFamily="34" charset="0"/>
+                <a:cs typeface="Tahoma" pitchFamily="34" charset="0"/>
+              </a:rPr>
+              <a:t>temas de la materia están presentes en todo lo que nos rodea, tanto en películas como en la vida real, en el día a día.... </a:t>
+            </a:r>
+            <a:endParaRPr lang="es-AR" sz="2400" dirty="0" smtClean="0">
+              <a:latin typeface="Tahoma" pitchFamily="34" charset="0"/>
+              <a:ea typeface="Tahoma" pitchFamily="34" charset="0"/>
+              <a:cs typeface="Tahoma" pitchFamily="34" charset="0"/>
+            </a:endParaRPr>
+          </a:p>
+          <a:p>
+            <a:endParaRPr lang="es-AR" sz="2400" dirty="0" smtClean="0">
+              <a:latin typeface="Tahoma" pitchFamily="34" charset="0"/>
+              <a:ea typeface="Tahoma" pitchFamily="34" charset="0"/>
+              <a:cs typeface="Tahoma" pitchFamily="34" charset="0"/>
+            </a:endParaRPr>
+          </a:p>
+          <a:p>
+            <a:r>
+              <a:rPr lang="es-AR" sz="2400" dirty="0" smtClean="0">
+                <a:latin typeface="Tahoma" pitchFamily="34" charset="0"/>
+                <a:ea typeface="Tahoma" pitchFamily="34" charset="0"/>
+                <a:cs typeface="Tahoma" pitchFamily="34" charset="0"/>
+              </a:rPr>
+              <a:t>Solo </a:t>
+            </a:r>
+            <a:r>
+              <a:rPr lang="es-AR" sz="2400" dirty="0" smtClean="0">
+                <a:latin typeface="Tahoma" pitchFamily="34" charset="0"/>
+                <a:ea typeface="Tahoma" pitchFamily="34" charset="0"/>
+                <a:cs typeface="Tahoma" pitchFamily="34" charset="0"/>
+              </a:rPr>
+              <a:t>con la diferencia que ahora podemos identificarlos y tener un marco teórico de los mismos</a:t>
+            </a:r>
+            <a:r>
+              <a:rPr lang="es-AR" sz="2400" dirty="0" smtClean="0">
+                <a:latin typeface="Tahoma" pitchFamily="34" charset="0"/>
+                <a:ea typeface="Tahoma" pitchFamily="34" charset="0"/>
+                <a:cs typeface="Tahoma" pitchFamily="34" charset="0"/>
+              </a:rPr>
+              <a:t>....</a:t>
+            </a:r>
+            <a:endParaRPr lang="es-AR" sz="2400" dirty="0">
+              <a:latin typeface="Tahoma" pitchFamily="34" charset="0"/>
+              <a:ea typeface="Tahoma" pitchFamily="34" charset="0"/>
+              <a:cs typeface="Tahoma" pitchFamily="34" charset="0"/>
+            </a:endParaRPr>
+          </a:p>
+        </p:txBody>
+      </p:sp>
     </p:spTree>
     <p:extLst>
       <p:ext uri="{BB962C8B-B14F-4D97-AF65-F5344CB8AC3E}">
-        <p14:creationId xmlns:p14="http://schemas.microsoft.com/office/powerpoint/2010/main" val="341338510"/>
+        <p14:creationId xmlns:p14="http://schemas.microsoft.com/office/powerpoint/2010/main" xmlns="" val="341338510"/>
       </p:ext>
     </p:extLst>
   </p:cSld>
@@ -6941,15 +7626,17 @@
         </p:nvSpPr>
         <p:spPr>
           <a:xfrm>
-            <a:off x="395536" y="2780928"/>
-            <a:ext cx="8229600" cy="787152"/>
+            <a:off x="539552" y="5594176"/>
+            <a:ext cx="8229600" cy="859160"/>
           </a:xfrm>
         </p:spPr>
         <p:txBody>
-          <a:bodyPr/>
-          <a:lstStyle/>
-          <a:p>
-            <a:pPr algn="ctr"/>
+          <a:bodyPr>
+            <a:normAutofit/>
+          </a:bodyPr>
+          <a:lstStyle/>
+          <a:p>
+            <a:pPr algn="r"/>
             <a:r>
               <a:rPr lang="es-AR" dirty="0" smtClean="0">
                 <a:latin typeface="Impact" pitchFamily="34" charset="0"/>
@@ -6962,10 +7649,53 @@
           </a:p>
         </p:txBody>
       </p:sp>
+      <p:pic>
+        <p:nvPicPr>
+          <p:cNvPr id="1027" name="Picture 3"/>
+          <p:cNvPicPr>
+            <a:picLocks noChangeAspect="1" noChangeArrowheads="1"/>
+          </p:cNvPicPr>
+          <p:nvPr/>
+        </p:nvPicPr>
+        <p:blipFill>
+          <a:blip r:embed="rId3" cstate="print"/>
+          <a:srcRect/>
+          <a:stretch>
+            <a:fillRect/>
+          </a:stretch>
+        </p:blipFill>
+        <p:spPr bwMode="auto">
+          <a:xfrm>
+            <a:off x="1475656" y="1177310"/>
+            <a:ext cx="6120680" cy="4051890"/>
+          </a:xfrm>
+          <a:prstGeom prst="rect">
+            <a:avLst/>
+          </a:prstGeom>
+          <a:ln>
+            <a:headEnd/>
+            <a:tailEnd/>
+          </a:ln>
+        </p:spPr>
+        <p:style>
+          <a:lnRef idx="2">
+            <a:schemeClr val="accent1"/>
+          </a:lnRef>
+          <a:fillRef idx="1">
+            <a:schemeClr val="lt1"/>
+          </a:fillRef>
+          <a:effectRef idx="0">
+            <a:schemeClr val="accent1"/>
+          </a:effectRef>
+          <a:fontRef idx="minor">
+            <a:schemeClr val="dk1"/>
+          </a:fontRef>
+        </p:style>
+      </p:pic>
     </p:spTree>
     <p:extLst>
       <p:ext uri="{BB962C8B-B14F-4D97-AF65-F5344CB8AC3E}">
-        <p14:creationId xmlns:p14="http://schemas.microsoft.com/office/powerpoint/2010/main" val="4200436367"/>
+        <p14:creationId xmlns:p14="http://schemas.microsoft.com/office/powerpoint/2010/main" xmlns="" val="4200436367"/>
       </p:ext>
     </p:extLst>
   </p:cSld>
@@ -7009,7 +7739,12 @@
             <p:ph idx="1"/>
           </p:nvPr>
         </p:nvSpPr>
-        <p:spPr/>
+        <p:spPr>
+          <a:xfrm>
+            <a:off x="806896" y="1916832"/>
+            <a:ext cx="8229600" cy="4572000"/>
+          </a:xfrm>
+        </p:spPr>
         <p:txBody>
           <a:bodyPr/>
           <a:lstStyle/>
@@ -7095,7 +7830,12 @@
             <p:ph type="title"/>
           </p:nvPr>
         </p:nvSpPr>
-        <p:spPr/>
+        <p:spPr>
+          <a:xfrm>
+            <a:off x="457200" y="548680"/>
+            <a:ext cx="8229600" cy="822920"/>
+          </a:xfrm>
+        </p:spPr>
         <p:txBody>
           <a:bodyPr/>
           <a:lstStyle/>
@@ -7113,10 +7853,41 @@
           </a:p>
         </p:txBody>
       </p:sp>
+      <p:cxnSp>
+        <p:nvCxnSpPr>
+          <p:cNvPr id="4" name="3 Conector recto"/>
+          <p:cNvCxnSpPr/>
+          <p:nvPr/>
+        </p:nvCxnSpPr>
+        <p:spPr>
+          <a:xfrm>
+            <a:off x="539552" y="1484784"/>
+            <a:ext cx="7776864" cy="0"/>
+          </a:xfrm>
+          <a:prstGeom prst="line">
+            <a:avLst/>
+          </a:prstGeom>
+          <a:ln/>
+        </p:spPr>
+        <p:style>
+          <a:lnRef idx="2">
+            <a:schemeClr val="accent1"/>
+          </a:lnRef>
+          <a:fillRef idx="0">
+            <a:schemeClr val="accent1"/>
+          </a:fillRef>
+          <a:effectRef idx="1">
+            <a:schemeClr val="accent1"/>
+          </a:effectRef>
+          <a:fontRef idx="minor">
+            <a:schemeClr val="tx1"/>
+          </a:fontRef>
+        </p:style>
+      </p:cxnSp>
     </p:spTree>
     <p:extLst>
       <p:ext uri="{BB962C8B-B14F-4D97-AF65-F5344CB8AC3E}">
-        <p14:creationId xmlns:p14="http://schemas.microsoft.com/office/powerpoint/2010/main" val="421933691"/>
+        <p14:creationId xmlns:p14="http://schemas.microsoft.com/office/powerpoint/2010/main" xmlns="" val="421933691"/>
       </p:ext>
     </p:extLst>
   </p:cSld>
@@ -7159,10 +7930,10 @@
           <p:nvPr/>
         </p:nvPicPr>
         <p:blipFill>
-          <a:blip r:embed="rId3">
+          <a:blip r:embed="rId3" cstate="print">
             <a:extLst>
               <a:ext uri="{28A0092B-C50C-407E-A947-70E740481C1C}">
-                <a14:useLocalDpi xmlns:a14="http://schemas.microsoft.com/office/drawing/2010/main" val="0"/>
+                <a14:useLocalDpi xmlns:a14="http://schemas.microsoft.com/office/drawing/2010/main" xmlns="" val="0"/>
               </a:ext>
             </a:extLst>
           </a:blip>
@@ -7211,7 +7982,7 @@
     </p:spTree>
     <p:extLst>
       <p:ext uri="{BB962C8B-B14F-4D97-AF65-F5344CB8AC3E}">
-        <p14:creationId xmlns:p14="http://schemas.microsoft.com/office/powerpoint/2010/main" val="450712420"/>
+        <p14:creationId xmlns:p14="http://schemas.microsoft.com/office/powerpoint/2010/main" xmlns="" val="450712420"/>
       </p:ext>
     </p:extLst>
   </p:cSld>
@@ -7254,10 +8025,10 @@
           <p:nvPr/>
         </p:nvPicPr>
         <p:blipFill>
-          <a:blip r:embed="rId3">
+          <a:blip r:embed="rId3" cstate="print">
             <a:extLst>
               <a:ext uri="{28A0092B-C50C-407E-A947-70E740481C1C}">
-                <a14:useLocalDpi xmlns:a14="http://schemas.microsoft.com/office/drawing/2010/main" val="0"/>
+                <a14:useLocalDpi xmlns:a14="http://schemas.microsoft.com/office/drawing/2010/main" xmlns="" val="0"/>
               </a:ext>
             </a:extLst>
           </a:blip>
@@ -7306,7 +8077,7 @@
     </p:spTree>
     <p:extLst>
       <p:ext uri="{BB962C8B-B14F-4D97-AF65-F5344CB8AC3E}">
-        <p14:creationId xmlns:p14="http://schemas.microsoft.com/office/powerpoint/2010/main" val="4149723806"/>
+        <p14:creationId xmlns:p14="http://schemas.microsoft.com/office/powerpoint/2010/main" xmlns="" val="4149723806"/>
       </p:ext>
     </p:extLst>
   </p:cSld>
@@ -7349,10 +8120,10 @@
           <p:nvPr/>
         </p:nvPicPr>
         <p:blipFill>
-          <a:blip r:embed="rId3">
+          <a:blip r:embed="rId3" cstate="print">
             <a:extLst>
               <a:ext uri="{28A0092B-C50C-407E-A947-70E740481C1C}">
-                <a14:useLocalDpi xmlns:a14="http://schemas.microsoft.com/office/drawing/2010/main" val="0"/>
+                <a14:useLocalDpi xmlns:a14="http://schemas.microsoft.com/office/drawing/2010/main" xmlns="" val="0"/>
               </a:ext>
             </a:extLst>
           </a:blip>
@@ -7401,7 +8172,7 @@
     </p:spTree>
     <p:extLst>
       <p:ext uri="{BB962C8B-B14F-4D97-AF65-F5344CB8AC3E}">
-        <p14:creationId xmlns:p14="http://schemas.microsoft.com/office/powerpoint/2010/main" val="558182071"/>
+        <p14:creationId xmlns:p14="http://schemas.microsoft.com/office/powerpoint/2010/main" xmlns="" val="558182071"/>
       </p:ext>
     </p:extLst>
   </p:cSld>
@@ -7445,54 +8216,87 @@
             <p:ph idx="1"/>
           </p:nvPr>
         </p:nvSpPr>
-        <p:spPr/>
-        <p:txBody>
-          <a:bodyPr/>
+        <p:spPr>
+          <a:xfrm>
+            <a:off x="662880" y="3429000"/>
+            <a:ext cx="8229600" cy="1728192"/>
+          </a:xfrm>
+        </p:spPr>
+        <p:txBody>
+          <a:bodyPr>
+            <a:normAutofit/>
+          </a:bodyPr>
           <a:lstStyle/>
           <a:p>
             <a:pPr marL="0" indent="0">
               <a:buNone/>
             </a:pPr>
             <a:r>
-              <a:rPr lang="es-AR" sz="2000" i="1" dirty="0" smtClean="0">
-                <a:latin typeface="Impact" pitchFamily="34" charset="0"/>
-              </a:rPr>
-              <a:t>REFLEXIÓN que realiza un individuo acerca de los VALORES que él cree que deben ser respetados y llevados a la práctica.</a:t>
-            </a:r>
-          </a:p>
-          <a:p>
-            <a:pPr marL="0" indent="0">
-              <a:buNone/>
+              <a:rPr lang="es-AR" sz="2400" dirty="0" smtClean="0">
+                <a:latin typeface="Tahoma" pitchFamily="34" charset="0"/>
+                <a:ea typeface="Tahoma" pitchFamily="34" charset="0"/>
+                <a:cs typeface="Tahoma" pitchFamily="34" charset="0"/>
+              </a:rPr>
+              <a:t>Se identificaron 2 grupos en la película:</a:t>
+            </a:r>
+          </a:p>
+          <a:p>
+            <a:pPr indent="274320">
+              <a:lnSpc>
+                <a:spcPct val="150000"/>
+              </a:lnSpc>
             </a:pPr>
-            <a:endParaRPr lang="es-AR" dirty="0" smtClean="0">
-              <a:latin typeface="Impact" pitchFamily="34" charset="0"/>
+            <a:r>
+              <a:rPr lang="es-AR" sz="2400" dirty="0" smtClean="0">
+                <a:latin typeface="Tahoma" pitchFamily="34" charset="0"/>
+                <a:ea typeface="Tahoma" pitchFamily="34" charset="0"/>
+                <a:cs typeface="Tahoma" pitchFamily="34" charset="0"/>
+              </a:rPr>
+              <a:t>Personas que actúan con responsabilidad</a:t>
+            </a:r>
+          </a:p>
+          <a:p>
+            <a:pPr indent="274320">
+              <a:lnSpc>
+                <a:spcPct val="150000"/>
+              </a:lnSpc>
+            </a:pPr>
+            <a:r>
+              <a:rPr lang="es-AR" sz="2400" dirty="0" smtClean="0">
+                <a:latin typeface="Tahoma" pitchFamily="34" charset="0"/>
+                <a:ea typeface="Tahoma" pitchFamily="34" charset="0"/>
+                <a:cs typeface="Tahoma" pitchFamily="34" charset="0"/>
+              </a:rPr>
+              <a:t>Personas que actúan bajo caprichos personales</a:t>
+            </a:r>
+            <a:endParaRPr lang="es-AR" sz="2400" dirty="0">
+              <a:latin typeface="Tahoma" pitchFamily="34" charset="0"/>
+              <a:ea typeface="Tahoma" pitchFamily="34" charset="0"/>
+              <a:cs typeface="Tahoma" pitchFamily="34" charset="0"/>
             </a:endParaRPr>
           </a:p>
-          <a:p>
-            <a:pPr marL="0" indent="0">
-              <a:buNone/>
-            </a:pPr>
+        </p:txBody>
+      </p:sp>
+      <p:sp>
+        <p:nvSpPr>
+          <p:cNvPr id="3" name="2 Título"/>
+          <p:cNvSpPr>
+            <a:spLocks noGrp="1"/>
+          </p:cNvSpPr>
+          <p:nvPr>
+            <p:ph type="title"/>
+          </p:nvPr>
+        </p:nvSpPr>
+        <p:spPr/>
+        <p:txBody>
+          <a:bodyPr/>
+          <a:lstStyle/>
+          <a:p>
             <a:r>
               <a:rPr lang="es-AR" dirty="0" smtClean="0">
                 <a:latin typeface="Impact" pitchFamily="34" charset="0"/>
               </a:rPr>
-              <a:t>Se identificaron 2 grupos en la película:</a:t>
-            </a:r>
-          </a:p>
-          <a:p>
-            <a:r>
-              <a:rPr lang="es-AR" dirty="0" smtClean="0">
-                <a:latin typeface="Impact" pitchFamily="34" charset="0"/>
-              </a:rPr>
-              <a:t>Personas que actúan con responsabilidad</a:t>
-            </a:r>
-          </a:p>
-          <a:p>
-            <a:r>
-              <a:rPr lang="es-AR" dirty="0" smtClean="0">
-                <a:latin typeface="Impact" pitchFamily="34" charset="0"/>
-              </a:rPr>
-              <a:t>Personas que actúan bajo caprichos personales</a:t>
+              <a:t>Ética</a:t>
             </a:r>
             <a:endParaRPr lang="es-AR" dirty="0">
               <a:latin typeface="Impact" pitchFamily="34" charset="0"/>
@@ -7502,35 +8306,103 @@
       </p:sp>
       <p:sp>
         <p:nvSpPr>
-          <p:cNvPr id="3" name="2 Título"/>
-          <p:cNvSpPr>
-            <a:spLocks noGrp="1"/>
-          </p:cNvSpPr>
-          <p:nvPr>
-            <p:ph type="title"/>
-          </p:nvPr>
-        </p:nvSpPr>
-        <p:spPr/>
-        <p:txBody>
-          <a:bodyPr/>
-          <a:lstStyle/>
-          <a:p>
-            <a:r>
-              <a:rPr lang="es-AR" dirty="0" smtClean="0">
-                <a:latin typeface="Impact" pitchFamily="34" charset="0"/>
-              </a:rPr>
-              <a:t>Ética</a:t>
-            </a:r>
-            <a:endParaRPr lang="es-AR" dirty="0">
-              <a:latin typeface="Impact" pitchFamily="34" charset="0"/>
+          <p:cNvPr id="5" name="4 CuadroTexto"/>
+          <p:cNvSpPr txBox="1"/>
+          <p:nvPr/>
+        </p:nvSpPr>
+        <p:spPr>
+          <a:xfrm>
+            <a:off x="611560" y="1715324"/>
+            <a:ext cx="7992888" cy="1569660"/>
+          </a:xfrm>
+          <a:prstGeom prst="rect">
+            <a:avLst/>
+          </a:prstGeom>
+          <a:noFill/>
+        </p:spPr>
+        <p:txBody>
+          <a:bodyPr wrap="square" rtlCol="0">
+            <a:spAutoFit/>
+          </a:bodyPr>
+          <a:lstStyle/>
+          <a:p>
+            <a:r>
+              <a:rPr lang="es-AR" sz="2400" dirty="0" smtClean="0">
+                <a:latin typeface="Tahoma" pitchFamily="34" charset="0"/>
+                <a:ea typeface="Tahoma" pitchFamily="34" charset="0"/>
+                <a:cs typeface="Tahoma" pitchFamily="34" charset="0"/>
+              </a:rPr>
+              <a:t>Reflexión </a:t>
+            </a:r>
+            <a:r>
+              <a:rPr lang="es-AR" sz="2400" dirty="0" smtClean="0">
+                <a:latin typeface="Tahoma" pitchFamily="34" charset="0"/>
+                <a:ea typeface="Tahoma" pitchFamily="34" charset="0"/>
+                <a:cs typeface="Tahoma" pitchFamily="34" charset="0"/>
+              </a:rPr>
+              <a:t>que realiza un individuo acerca de los </a:t>
+            </a:r>
+            <a:r>
+              <a:rPr lang="es-AR" sz="2400" dirty="0" smtClean="0">
+                <a:latin typeface="Tahoma" pitchFamily="34" charset="0"/>
+                <a:ea typeface="Tahoma" pitchFamily="34" charset="0"/>
+                <a:cs typeface="Tahoma" pitchFamily="34" charset="0"/>
+              </a:rPr>
+              <a:t>valores </a:t>
+            </a:r>
+            <a:r>
+              <a:rPr lang="es-AR" sz="2400" dirty="0" smtClean="0">
+                <a:latin typeface="Tahoma" pitchFamily="34" charset="0"/>
+                <a:ea typeface="Tahoma" pitchFamily="34" charset="0"/>
+                <a:cs typeface="Tahoma" pitchFamily="34" charset="0"/>
+              </a:rPr>
+              <a:t>que él cree que deben ser respetados y llevados a la práctica.</a:t>
+            </a:r>
+          </a:p>
+          <a:p>
+            <a:endParaRPr lang="es-AR" sz="2400" dirty="0">
+              <a:latin typeface="Tahoma" pitchFamily="34" charset="0"/>
+              <a:ea typeface="Tahoma" pitchFamily="34" charset="0"/>
+              <a:cs typeface="Tahoma" pitchFamily="34" charset="0"/>
             </a:endParaRPr>
           </a:p>
         </p:txBody>
       </p:sp>
+      <p:cxnSp>
+        <p:nvCxnSpPr>
+          <p:cNvPr id="7" name="6 Conector recto"/>
+          <p:cNvCxnSpPr/>
+          <p:nvPr/>
+        </p:nvCxnSpPr>
+        <p:spPr>
+          <a:xfrm>
+            <a:off x="539552" y="1484784"/>
+            <a:ext cx="7776864" cy="0"/>
+          </a:xfrm>
+          <a:prstGeom prst="line">
+            <a:avLst/>
+          </a:prstGeom>
+          <a:ln/>
+        </p:spPr>
+        <p:style>
+          <a:lnRef idx="2">
+            <a:schemeClr val="accent1"/>
+          </a:lnRef>
+          <a:fillRef idx="0">
+            <a:schemeClr val="accent1"/>
+          </a:fillRef>
+          <a:effectRef idx="1">
+            <a:schemeClr val="accent1"/>
+          </a:effectRef>
+          <a:fontRef idx="minor">
+            <a:schemeClr val="tx1"/>
+          </a:fontRef>
+        </p:style>
+      </p:cxnSp>
     </p:spTree>
     <p:extLst>
       <p:ext uri="{BB962C8B-B14F-4D97-AF65-F5344CB8AC3E}">
-        <p14:creationId xmlns:p14="http://schemas.microsoft.com/office/powerpoint/2010/main" val="2050815178"/>
+        <p14:creationId xmlns:p14="http://schemas.microsoft.com/office/powerpoint/2010/main" xmlns="" val="2050815178"/>
       </p:ext>
     </p:extLst>
   </p:cSld>
@@ -7574,90 +8446,185 @@
             <p:ph idx="1"/>
           </p:nvPr>
         </p:nvSpPr>
+        <p:spPr>
+          <a:xfrm>
+            <a:off x="662880" y="3429000"/>
+            <a:ext cx="8229600" cy="1152128"/>
+          </a:xfrm>
+        </p:spPr>
+        <p:txBody>
+          <a:bodyPr>
+            <a:noAutofit/>
+          </a:bodyPr>
+          <a:lstStyle/>
+          <a:p>
+            <a:pPr indent="274320">
+              <a:lnSpc>
+                <a:spcPct val="150000"/>
+              </a:lnSpc>
+            </a:pPr>
+            <a:r>
+              <a:rPr lang="es-AR" sz="2400" dirty="0" smtClean="0">
+                <a:latin typeface="Tahoma" pitchFamily="34" charset="0"/>
+                <a:ea typeface="Tahoma" pitchFamily="34" charset="0"/>
+                <a:cs typeface="Tahoma" pitchFamily="34" charset="0"/>
+              </a:rPr>
+              <a:t>Dificultad </a:t>
+            </a:r>
+            <a:r>
+              <a:rPr lang="es-AR" sz="2400" dirty="0" smtClean="0">
+                <a:latin typeface="Tahoma" pitchFamily="34" charset="0"/>
+                <a:ea typeface="Tahoma" pitchFamily="34" charset="0"/>
+                <a:cs typeface="Tahoma" pitchFamily="34" charset="0"/>
+              </a:rPr>
+              <a:t>de comparación (contexto temporal</a:t>
+            </a:r>
+            <a:r>
+              <a:rPr lang="es-AR" sz="2400" dirty="0" smtClean="0">
+                <a:latin typeface="Tahoma" pitchFamily="34" charset="0"/>
+                <a:ea typeface="Tahoma" pitchFamily="34" charset="0"/>
+                <a:cs typeface="Tahoma" pitchFamily="34" charset="0"/>
+              </a:rPr>
+              <a:t>)</a:t>
+            </a:r>
+            <a:endParaRPr lang="es-AR" sz="2400" dirty="0" smtClean="0">
+              <a:latin typeface="Tahoma" pitchFamily="34" charset="0"/>
+              <a:ea typeface="Tahoma" pitchFamily="34" charset="0"/>
+              <a:cs typeface="Tahoma" pitchFamily="34" charset="0"/>
+            </a:endParaRPr>
+          </a:p>
+          <a:p>
+            <a:pPr indent="274320">
+              <a:lnSpc>
+                <a:spcPct val="150000"/>
+              </a:lnSpc>
+            </a:pPr>
+            <a:r>
+              <a:rPr lang="es-AR" sz="2400" dirty="0" smtClean="0">
+                <a:latin typeface="Tahoma" pitchFamily="34" charset="0"/>
+                <a:ea typeface="Tahoma" pitchFamily="34" charset="0"/>
+                <a:cs typeface="Tahoma" pitchFamily="34" charset="0"/>
+              </a:rPr>
+              <a:t>Fuente de poder ¿Máximo o Cómodo?</a:t>
+            </a:r>
+          </a:p>
+          <a:p>
+            <a:endParaRPr lang="es-AR" sz="2400" dirty="0" smtClean="0">
+              <a:latin typeface="Tahoma" pitchFamily="34" charset="0"/>
+              <a:ea typeface="Tahoma" pitchFamily="34" charset="0"/>
+              <a:cs typeface="Tahoma" pitchFamily="34" charset="0"/>
+            </a:endParaRPr>
+          </a:p>
+          <a:p>
+            <a:endParaRPr lang="es-AR" sz="2400" dirty="0" smtClean="0">
+              <a:latin typeface="Tahoma" pitchFamily="34" charset="0"/>
+              <a:ea typeface="Tahoma" pitchFamily="34" charset="0"/>
+              <a:cs typeface="Tahoma" pitchFamily="34" charset="0"/>
+            </a:endParaRPr>
+          </a:p>
+          <a:p>
+            <a:endParaRPr lang="es-AR" sz="2400" dirty="0">
+              <a:latin typeface="Tahoma" pitchFamily="34" charset="0"/>
+              <a:ea typeface="Tahoma" pitchFamily="34" charset="0"/>
+              <a:cs typeface="Tahoma" pitchFamily="34" charset="0"/>
+            </a:endParaRPr>
+          </a:p>
+        </p:txBody>
+      </p:sp>
+      <p:sp>
+        <p:nvSpPr>
+          <p:cNvPr id="3" name="2 Título"/>
+          <p:cNvSpPr>
+            <a:spLocks noGrp="1"/>
+          </p:cNvSpPr>
+          <p:nvPr>
+            <p:ph type="title"/>
+          </p:nvPr>
+        </p:nvSpPr>
         <p:spPr/>
         <p:txBody>
           <a:bodyPr/>
           <a:lstStyle/>
-          <a:p>
-            <a:pPr marL="0" indent="0">
-              <a:buNone/>
-            </a:pPr>
-            <a:r>
-              <a:rPr lang="es-AR" sz="2000" dirty="0" smtClean="0">
-                <a:latin typeface="Impact" pitchFamily="34" charset="0"/>
-              </a:rPr>
-              <a:t>Conjunto de usos y costumbres de que una sociedad considera apropiados, convirtiéndolas en normas de conductas.</a:t>
-            </a:r>
-          </a:p>
-          <a:p>
-            <a:pPr marL="0" indent="0">
-              <a:buNone/>
-            </a:pPr>
-            <a:endParaRPr lang="es-AR" dirty="0" smtClean="0">
-              <a:latin typeface="Impact" pitchFamily="34" charset="0"/>
-            </a:endParaRPr>
-          </a:p>
           <a:p>
             <a:r>
               <a:rPr lang="es-AR" dirty="0" smtClean="0">
                 <a:latin typeface="Impact" pitchFamily="34" charset="0"/>
               </a:rPr>
-              <a:t>Dificultad de comparación (contexto temporal)</a:t>
-            </a:r>
-          </a:p>
-          <a:p>
-            <a:endParaRPr lang="es-AR" dirty="0" smtClean="0">
-              <a:latin typeface="Impact" pitchFamily="34" charset="0"/>
-            </a:endParaRPr>
-          </a:p>
-          <a:p>
-            <a:r>
-              <a:rPr lang="es-AR" dirty="0" smtClean="0">
-                <a:latin typeface="Impact" pitchFamily="34" charset="0"/>
-              </a:rPr>
-              <a:t>Fuente de poder ¿Máximo o Cómodo?</a:t>
-            </a:r>
-          </a:p>
-          <a:p>
-            <a:endParaRPr lang="es-AR" dirty="0" smtClean="0">
-              <a:latin typeface="Impact" pitchFamily="34" charset="0"/>
-            </a:endParaRPr>
-          </a:p>
-          <a:p>
-            <a:endParaRPr lang="es-AR" dirty="0" smtClean="0">
-              <a:latin typeface="Impact" pitchFamily="34" charset="0"/>
-            </a:endParaRPr>
-          </a:p>
-          <a:p>
+              <a:t>Moral</a:t>
+            </a:r>
             <a:endParaRPr lang="es-AR" dirty="0">
               <a:latin typeface="Impact" pitchFamily="34" charset="0"/>
             </a:endParaRPr>
           </a:p>
         </p:txBody>
       </p:sp>
-      <p:sp>
-        <p:nvSpPr>
-          <p:cNvPr id="3" name="2 Título"/>
-          <p:cNvSpPr>
-            <a:spLocks noGrp="1"/>
-          </p:cNvSpPr>
-          <p:nvPr>
-            <p:ph type="title"/>
-          </p:nvPr>
-        </p:nvSpPr>
-        <p:spPr/>
-        <p:txBody>
-          <a:bodyPr/>
-          <a:lstStyle/>
-          <a:p>
-            <a:r>
-              <a:rPr lang="es-AR" dirty="0" smtClean="0">
-                <a:latin typeface="Impact" pitchFamily="34" charset="0"/>
-              </a:rPr>
-              <a:t>Moral</a:t>
-            </a:r>
-            <a:endParaRPr lang="es-AR" dirty="0">
-              <a:latin typeface="Impact" pitchFamily="34" charset="0"/>
+      <p:cxnSp>
+        <p:nvCxnSpPr>
+          <p:cNvPr id="4" name="3 Conector recto"/>
+          <p:cNvCxnSpPr/>
+          <p:nvPr/>
+        </p:nvCxnSpPr>
+        <p:spPr>
+          <a:xfrm>
+            <a:off x="539552" y="1484784"/>
+            <a:ext cx="7776864" cy="0"/>
+          </a:xfrm>
+          <a:prstGeom prst="line">
+            <a:avLst/>
+          </a:prstGeom>
+          <a:ln/>
+        </p:spPr>
+        <p:style>
+          <a:lnRef idx="2">
+            <a:schemeClr val="accent1"/>
+          </a:lnRef>
+          <a:fillRef idx="0">
+            <a:schemeClr val="accent1"/>
+          </a:fillRef>
+          <a:effectRef idx="1">
+            <a:schemeClr val="accent1"/>
+          </a:effectRef>
+          <a:fontRef idx="minor">
+            <a:schemeClr val="tx1"/>
+          </a:fontRef>
+        </p:style>
+      </p:cxnSp>
+      <p:sp>
+        <p:nvSpPr>
+          <p:cNvPr id="5" name="4 CuadroTexto"/>
+          <p:cNvSpPr txBox="1"/>
+          <p:nvPr/>
+        </p:nvSpPr>
+        <p:spPr>
+          <a:xfrm>
+            <a:off x="683568" y="1772816"/>
+            <a:ext cx="7776864" cy="1569660"/>
+          </a:xfrm>
+          <a:prstGeom prst="rect">
+            <a:avLst/>
+          </a:prstGeom>
+          <a:noFill/>
+        </p:spPr>
+        <p:txBody>
+          <a:bodyPr wrap="square" rtlCol="0">
+            <a:spAutoFit/>
+          </a:bodyPr>
+          <a:lstStyle/>
+          <a:p>
+            <a:r>
+              <a:rPr lang="es-AR" sz="2400" dirty="0" smtClean="0">
+                <a:latin typeface="Tahoma" pitchFamily="34" charset="0"/>
+                <a:ea typeface="Tahoma" pitchFamily="34" charset="0"/>
+                <a:cs typeface="Tahoma" pitchFamily="34" charset="0"/>
+              </a:rPr>
+              <a:t>Conjunto de usos y costumbres de que una sociedad considera apropiados, convirtiéndolas en normas de conductas.</a:t>
+            </a:r>
+          </a:p>
+          <a:p>
+            <a:endParaRPr lang="es-AR" sz="2400" dirty="0">
+              <a:latin typeface="Tahoma" pitchFamily="34" charset="0"/>
+              <a:ea typeface="Tahoma" pitchFamily="34" charset="0"/>
+              <a:cs typeface="Tahoma" pitchFamily="34" charset="0"/>
             </a:endParaRPr>
           </a:p>
         </p:txBody>
@@ -7665,7 +8632,7 @@
     </p:spTree>
     <p:extLst>
       <p:ext uri="{BB962C8B-B14F-4D97-AF65-F5344CB8AC3E}">
-        <p14:creationId xmlns:p14="http://schemas.microsoft.com/office/powerpoint/2010/main" val="1325011677"/>
+        <p14:creationId xmlns:p14="http://schemas.microsoft.com/office/powerpoint/2010/main" xmlns="" val="1325011677"/>
       </p:ext>
     </p:extLst>
   </p:cSld>
@@ -7709,102 +8676,229 @@
             <p:ph idx="1"/>
           </p:nvPr>
         </p:nvSpPr>
-        <p:spPr/>
-        <p:txBody>
-          <a:bodyPr/>
-          <a:lstStyle/>
-          <a:p>
-            <a:pPr marL="0" indent="0">
+        <p:spPr>
+          <a:xfrm>
+            <a:off x="827584" y="4293096"/>
+            <a:ext cx="4104456" cy="2016224"/>
+          </a:xfrm>
+        </p:spPr>
+        <p:txBody>
+          <a:bodyPr>
+            <a:normAutofit/>
+          </a:bodyPr>
+          <a:lstStyle/>
+          <a:p>
+            <a:pPr indent="274320">
+              <a:lnSpc>
+                <a:spcPct val="150000"/>
+              </a:lnSpc>
+            </a:pPr>
+            <a:r>
+              <a:rPr lang="es-AR" sz="2400" dirty="0" smtClean="0">
+                <a:latin typeface="Tahoma" pitchFamily="34" charset="0"/>
+                <a:ea typeface="Tahoma" pitchFamily="34" charset="0"/>
+                <a:cs typeface="Tahoma" pitchFamily="34" charset="0"/>
+              </a:rPr>
+              <a:t>Visión </a:t>
+            </a:r>
+            <a:r>
+              <a:rPr lang="es-AR" sz="2400" dirty="0" smtClean="0">
+                <a:latin typeface="Tahoma" pitchFamily="34" charset="0"/>
+                <a:ea typeface="Tahoma" pitchFamily="34" charset="0"/>
+                <a:cs typeface="Tahoma" pitchFamily="34" charset="0"/>
+              </a:rPr>
+              <a:t>Marco Aurelio</a:t>
+            </a:r>
+          </a:p>
+          <a:p>
+            <a:pPr indent="274320">
+              <a:lnSpc>
+                <a:spcPct val="150000"/>
+              </a:lnSpc>
+            </a:pPr>
+            <a:r>
+              <a:rPr lang="es-AR" sz="2400" dirty="0" smtClean="0">
+                <a:latin typeface="Tahoma" pitchFamily="34" charset="0"/>
+                <a:ea typeface="Tahoma" pitchFamily="34" charset="0"/>
+                <a:cs typeface="Tahoma" pitchFamily="34" charset="0"/>
+              </a:rPr>
+              <a:t>Visión Máximo</a:t>
+            </a:r>
+          </a:p>
+          <a:p>
+            <a:pPr indent="274320">
+              <a:lnSpc>
+                <a:spcPct val="150000"/>
+              </a:lnSpc>
+            </a:pPr>
+            <a:r>
+              <a:rPr lang="es-AR" sz="2400" dirty="0" smtClean="0">
+                <a:latin typeface="Tahoma" pitchFamily="34" charset="0"/>
+                <a:ea typeface="Tahoma" pitchFamily="34" charset="0"/>
+                <a:cs typeface="Tahoma" pitchFamily="34" charset="0"/>
+              </a:rPr>
+              <a:t>Visión Cómodo</a:t>
+            </a:r>
+          </a:p>
+          <a:p>
+            <a:pPr>
               <a:buNone/>
             </a:pPr>
-            <a:r>
-              <a:rPr lang="es-AR" sz="2000" dirty="0" smtClean="0">
-                <a:latin typeface="Impact" pitchFamily="34" charset="0"/>
-              </a:rPr>
-              <a:t>Contribución activa y voluntaria de las empresas al mejoramiento social, económico y ambiental con el objetivo de mejorar su situación competitiva y su valor añadido.</a:t>
-            </a:r>
-          </a:p>
-          <a:p>
-            <a:pPr marL="0" indent="0">
-              <a:buNone/>
-            </a:pPr>
-            <a:endParaRPr lang="es-AR" dirty="0" smtClean="0">
-              <a:latin typeface="Impact" pitchFamily="34" charset="0"/>
+            <a:endParaRPr lang="es-AR" sz="2400" dirty="0">
+              <a:latin typeface="Tahoma" pitchFamily="34" charset="0"/>
+              <a:ea typeface="Tahoma" pitchFamily="34" charset="0"/>
+              <a:cs typeface="Tahoma" pitchFamily="34" charset="0"/>
             </a:endParaRPr>
           </a:p>
-          <a:p>
-            <a:pPr marL="0" indent="0">
-              <a:buNone/>
-            </a:pPr>
+        </p:txBody>
+      </p:sp>
+      <p:sp>
+        <p:nvSpPr>
+          <p:cNvPr id="3" name="2 Título"/>
+          <p:cNvSpPr>
+            <a:spLocks noGrp="1"/>
+          </p:cNvSpPr>
+          <p:nvPr>
+            <p:ph type="title"/>
+          </p:nvPr>
+        </p:nvSpPr>
+        <p:spPr/>
+        <p:txBody>
+          <a:bodyPr/>
+          <a:lstStyle/>
+          <a:p>
             <a:r>
               <a:rPr lang="es-AR" dirty="0" smtClean="0">
                 <a:latin typeface="Impact" pitchFamily="34" charset="0"/>
               </a:rPr>
-              <a:t>Para la comparación, tomamos a Roma como una empresa</a:t>
-            </a:r>
-          </a:p>
-          <a:p>
-            <a:pPr marL="0" indent="0">
-              <a:buNone/>
-            </a:pPr>
+              <a:t>RSE</a:t>
+            </a:r>
             <a:endParaRPr lang="es-AR" dirty="0">
               <a:latin typeface="Impact" pitchFamily="34" charset="0"/>
             </a:endParaRPr>
           </a:p>
-          <a:p>
-            <a:r>
-              <a:rPr lang="es-AR" dirty="0" smtClean="0">
-                <a:latin typeface="Impact" pitchFamily="34" charset="0"/>
-              </a:rPr>
-              <a:t>Visión Marco Aurelio</a:t>
-            </a:r>
-          </a:p>
-          <a:p>
-            <a:r>
-              <a:rPr lang="es-AR" dirty="0" smtClean="0">
-                <a:latin typeface="Impact" pitchFamily="34" charset="0"/>
-              </a:rPr>
-              <a:t>Visión Máximo</a:t>
-            </a:r>
-          </a:p>
-          <a:p>
-            <a:r>
-              <a:rPr lang="es-AR" dirty="0" smtClean="0">
-                <a:latin typeface="Impact" pitchFamily="34" charset="0"/>
-              </a:rPr>
-              <a:t>Visión Cómodo</a:t>
-            </a:r>
-          </a:p>
-          <a:p>
-            <a:endParaRPr lang="es-AR" dirty="0">
-              <a:latin typeface="Impact" pitchFamily="34" charset="0"/>
+        </p:txBody>
+      </p:sp>
+      <p:cxnSp>
+        <p:nvCxnSpPr>
+          <p:cNvPr id="4" name="3 Conector recto"/>
+          <p:cNvCxnSpPr/>
+          <p:nvPr/>
+        </p:nvCxnSpPr>
+        <p:spPr>
+          <a:xfrm>
+            <a:off x="539552" y="1484784"/>
+            <a:ext cx="7776864" cy="0"/>
+          </a:xfrm>
+          <a:prstGeom prst="line">
+            <a:avLst/>
+          </a:prstGeom>
+          <a:ln/>
+        </p:spPr>
+        <p:style>
+          <a:lnRef idx="2">
+            <a:schemeClr val="accent1"/>
+          </a:lnRef>
+          <a:fillRef idx="0">
+            <a:schemeClr val="accent1"/>
+          </a:fillRef>
+          <a:effectRef idx="1">
+            <a:schemeClr val="accent1"/>
+          </a:effectRef>
+          <a:fontRef idx="minor">
+            <a:schemeClr val="tx1"/>
+          </a:fontRef>
+        </p:style>
+      </p:cxnSp>
+      <p:sp>
+        <p:nvSpPr>
+          <p:cNvPr id="5" name="4 CuadroTexto"/>
+          <p:cNvSpPr txBox="1"/>
+          <p:nvPr/>
+        </p:nvSpPr>
+        <p:spPr>
+          <a:xfrm>
+            <a:off x="683568" y="1700808"/>
+            <a:ext cx="7272808" cy="1938992"/>
+          </a:xfrm>
+          <a:prstGeom prst="rect">
+            <a:avLst/>
+          </a:prstGeom>
+          <a:noFill/>
+        </p:spPr>
+        <p:txBody>
+          <a:bodyPr wrap="square" rtlCol="0">
+            <a:spAutoFit/>
+          </a:bodyPr>
+          <a:lstStyle/>
+          <a:p>
+            <a:r>
+              <a:rPr lang="es-AR" sz="2400" dirty="0" smtClean="0">
+                <a:latin typeface="Tahoma" pitchFamily="34" charset="0"/>
+                <a:ea typeface="Tahoma" pitchFamily="34" charset="0"/>
+                <a:cs typeface="Tahoma" pitchFamily="34" charset="0"/>
+              </a:rPr>
+              <a:t>Contribución activa y voluntaria de las empresas al mejoramiento social, económico y ambiental con el objetivo de mejorar su situación competitiva y su valor añadido.</a:t>
+            </a:r>
+          </a:p>
+          <a:p>
+            <a:endParaRPr lang="es-AR" sz="2400" dirty="0">
+              <a:latin typeface="Tahoma" pitchFamily="34" charset="0"/>
+              <a:ea typeface="Tahoma" pitchFamily="34" charset="0"/>
+              <a:cs typeface="Tahoma" pitchFamily="34" charset="0"/>
             </a:endParaRPr>
           </a:p>
         </p:txBody>
       </p:sp>
       <p:sp>
         <p:nvSpPr>
-          <p:cNvPr id="3" name="2 Título"/>
-          <p:cNvSpPr>
-            <a:spLocks noGrp="1"/>
-          </p:cNvSpPr>
-          <p:nvPr>
-            <p:ph type="title"/>
-          </p:nvPr>
-        </p:nvSpPr>
-        <p:spPr/>
-        <p:txBody>
-          <a:bodyPr/>
-          <a:lstStyle/>
-          <a:p>
-            <a:r>
-              <a:rPr lang="es-AR" dirty="0" smtClean="0">
-                <a:latin typeface="Impact" pitchFamily="34" charset="0"/>
-              </a:rPr>
-              <a:t>RSE</a:t>
-            </a:r>
-            <a:endParaRPr lang="es-AR" dirty="0">
-              <a:latin typeface="Impact" pitchFamily="34" charset="0"/>
+          <p:cNvPr id="6" name="5 CuadroTexto"/>
+          <p:cNvSpPr txBox="1"/>
+          <p:nvPr/>
+        </p:nvSpPr>
+        <p:spPr>
+          <a:xfrm>
+            <a:off x="683568" y="3356992"/>
+            <a:ext cx="7704856" cy="1200329"/>
+          </a:xfrm>
+          <a:prstGeom prst="rect">
+            <a:avLst/>
+          </a:prstGeom>
+          <a:noFill/>
+        </p:spPr>
+        <p:txBody>
+          <a:bodyPr wrap="square" rtlCol="0">
+            <a:spAutoFit/>
+          </a:bodyPr>
+          <a:lstStyle/>
+          <a:p>
+            <a:r>
+              <a:rPr lang="es-AR" sz="2400" dirty="0" smtClean="0">
+                <a:latin typeface="Tahoma" pitchFamily="34" charset="0"/>
+                <a:ea typeface="Tahoma" pitchFamily="34" charset="0"/>
+                <a:cs typeface="Tahoma" pitchFamily="34" charset="0"/>
+              </a:rPr>
+              <a:t>Para la comparación, tomamos a Roma como una </a:t>
+            </a:r>
+            <a:r>
+              <a:rPr lang="es-AR" sz="2400" dirty="0" smtClean="0">
+                <a:latin typeface="Tahoma" pitchFamily="34" charset="0"/>
+                <a:ea typeface="Tahoma" pitchFamily="34" charset="0"/>
+                <a:cs typeface="Tahoma" pitchFamily="34" charset="0"/>
+              </a:rPr>
+              <a:t>empresa</a:t>
+            </a:r>
+            <a:endParaRPr lang="es-AR" sz="2400" dirty="0" smtClean="0">
+              <a:latin typeface="Tahoma" pitchFamily="34" charset="0"/>
+              <a:ea typeface="Tahoma" pitchFamily="34" charset="0"/>
+              <a:cs typeface="Tahoma" pitchFamily="34" charset="0"/>
+            </a:endParaRPr>
+          </a:p>
+          <a:p>
+            <a:endParaRPr lang="es-AR" sz="2400" dirty="0">
+              <a:latin typeface="Tahoma" pitchFamily="34" charset="0"/>
+              <a:ea typeface="Tahoma" pitchFamily="34" charset="0"/>
+              <a:cs typeface="Tahoma" pitchFamily="34" charset="0"/>
             </a:endParaRPr>
           </a:p>
         </p:txBody>
@@ -7812,7 +8906,7 @@
     </p:spTree>
     <p:extLst>
       <p:ext uri="{BB962C8B-B14F-4D97-AF65-F5344CB8AC3E}">
-        <p14:creationId xmlns:p14="http://schemas.microsoft.com/office/powerpoint/2010/main" val="402576879"/>
+        <p14:creationId xmlns:p14="http://schemas.microsoft.com/office/powerpoint/2010/main" xmlns="" val="402576879"/>
       </p:ext>
     </p:extLst>
   </p:cSld>
@@ -7856,72 +8950,79 @@
             <p:ph idx="1"/>
           </p:nvPr>
         </p:nvSpPr>
-        <p:spPr/>
-        <p:txBody>
-          <a:bodyPr/>
+        <p:spPr>
+          <a:xfrm>
+            <a:off x="734888" y="3609528"/>
+            <a:ext cx="8229600" cy="2627784"/>
+          </a:xfrm>
+        </p:spPr>
+        <p:txBody>
+          <a:bodyPr>
+            <a:normAutofit/>
+          </a:bodyPr>
           <a:lstStyle/>
           <a:p>
             <a:pPr marL="0" indent="0">
               <a:buNone/>
             </a:pPr>
             <a:r>
-              <a:rPr lang="es-AR" sz="2000" dirty="0" smtClean="0">
-                <a:latin typeface="Impact" pitchFamily="34" charset="0"/>
-              </a:rPr>
-              <a:t>Llamamos organización dual aquella que está impregnada de una doble moral, consistente en la oposición/contradicción entre el discurso y la acción, producien</a:t>
-            </a:r>
-            <a:r>
-              <a:rPr lang="es-AR" sz="2000" dirty="0">
-                <a:latin typeface="Impact" pitchFamily="34" charset="0"/>
-              </a:rPr>
-              <a:t>d</a:t>
-            </a:r>
-            <a:r>
-              <a:rPr lang="es-AR" sz="2000" dirty="0" smtClean="0">
-                <a:latin typeface="Impact" pitchFamily="34" charset="0"/>
-              </a:rPr>
-              <a:t>o injusticia y marginación.</a:t>
-            </a:r>
-          </a:p>
-          <a:p>
-            <a:pPr marL="0" indent="0">
-              <a:buNone/>
+              <a:rPr lang="es-AR" sz="2400" dirty="0" smtClean="0">
+                <a:latin typeface="Tahoma" pitchFamily="34" charset="0"/>
+                <a:ea typeface="Tahoma" pitchFamily="34" charset="0"/>
+                <a:cs typeface="Tahoma" pitchFamily="34" charset="0"/>
+              </a:rPr>
+              <a:t>Tipologías </a:t>
+            </a:r>
+            <a:r>
+              <a:rPr lang="es-AR" sz="2400" dirty="0" smtClean="0">
+                <a:latin typeface="Tahoma" pitchFamily="34" charset="0"/>
+                <a:ea typeface="Tahoma" pitchFamily="34" charset="0"/>
+                <a:cs typeface="Tahoma" pitchFamily="34" charset="0"/>
+              </a:rPr>
+              <a:t>de perversiones. Desviaciones:</a:t>
+            </a:r>
+          </a:p>
+          <a:p>
+            <a:pPr indent="274320">
+              <a:lnSpc>
+                <a:spcPct val="150000"/>
+              </a:lnSpc>
             </a:pPr>
-            <a:endParaRPr lang="es-AR" dirty="0" smtClean="0">
-              <a:latin typeface="Impact" pitchFamily="34" charset="0"/>
-            </a:endParaRPr>
-          </a:p>
-          <a:p>
-            <a:pPr marL="0" indent="0">
-              <a:buNone/>
+            <a:r>
+              <a:rPr lang="es-AR" sz="2400" dirty="0" smtClean="0">
+                <a:latin typeface="Tahoma" pitchFamily="34" charset="0"/>
+                <a:ea typeface="Tahoma" pitchFamily="34" charset="0"/>
+                <a:cs typeface="Tahoma" pitchFamily="34" charset="0"/>
+              </a:rPr>
+              <a:t>En las misiones de la institución social</a:t>
+            </a:r>
+          </a:p>
+          <a:p>
+            <a:pPr indent="274320">
+              <a:lnSpc>
+                <a:spcPct val="150000"/>
+              </a:lnSpc>
             </a:pPr>
             <a:r>
-              <a:rPr lang="es-AR" dirty="0" smtClean="0">
-                <a:latin typeface="Impact" pitchFamily="34" charset="0"/>
-              </a:rPr>
-              <a:t>Tipologías de perversiones. Desviaciones:</a:t>
-            </a:r>
-          </a:p>
-          <a:p>
-            <a:r>
-              <a:rPr lang="es-AR" dirty="0" smtClean="0">
-                <a:latin typeface="Impact" pitchFamily="34" charset="0"/>
-              </a:rPr>
-              <a:t>En las misiones de la institución social</a:t>
-            </a:r>
-          </a:p>
-          <a:p>
-            <a:r>
-              <a:rPr lang="es-AR" dirty="0" smtClean="0">
-                <a:latin typeface="Impact" pitchFamily="34" charset="0"/>
+              <a:rPr lang="es-AR" sz="2400" dirty="0" smtClean="0">
+                <a:latin typeface="Tahoma" pitchFamily="34" charset="0"/>
+                <a:ea typeface="Tahoma" pitchFamily="34" charset="0"/>
+                <a:cs typeface="Tahoma" pitchFamily="34" charset="0"/>
               </a:rPr>
               <a:t>Excesos en el uso de las prerrogativas del poder</a:t>
             </a:r>
           </a:p>
           <a:p>
-            <a:r>
-              <a:rPr lang="es-AR" dirty="0" smtClean="0">
-                <a:latin typeface="Impact" pitchFamily="34" charset="0"/>
+            <a:pPr indent="274320">
+              <a:lnSpc>
+                <a:spcPct val="150000"/>
+              </a:lnSpc>
+            </a:pPr>
+            <a:r>
+              <a:rPr lang="es-AR" sz="2400" dirty="0" smtClean="0">
+                <a:latin typeface="Tahoma" pitchFamily="34" charset="0"/>
+                <a:ea typeface="Tahoma" pitchFamily="34" charset="0"/>
+                <a:cs typeface="Tahoma" pitchFamily="34" charset="0"/>
               </a:rPr>
               <a:t>Provenientes de la hipocresía engaño y mentira</a:t>
             </a:r>
@@ -7955,10 +9056,81 @@
           </a:p>
         </p:txBody>
       </p:sp>
+      <p:cxnSp>
+        <p:nvCxnSpPr>
+          <p:cNvPr id="4" name="3 Conector recto"/>
+          <p:cNvCxnSpPr/>
+          <p:nvPr/>
+        </p:nvCxnSpPr>
+        <p:spPr>
+          <a:xfrm>
+            <a:off x="539552" y="1484784"/>
+            <a:ext cx="7776864" cy="0"/>
+          </a:xfrm>
+          <a:prstGeom prst="line">
+            <a:avLst/>
+          </a:prstGeom>
+          <a:ln/>
+        </p:spPr>
+        <p:style>
+          <a:lnRef idx="2">
+            <a:schemeClr val="accent1"/>
+          </a:lnRef>
+          <a:fillRef idx="0">
+            <a:schemeClr val="accent1"/>
+          </a:fillRef>
+          <a:effectRef idx="1">
+            <a:schemeClr val="accent1"/>
+          </a:effectRef>
+          <a:fontRef idx="minor">
+            <a:schemeClr val="tx1"/>
+          </a:fontRef>
+        </p:style>
+      </p:cxnSp>
+      <p:sp>
+        <p:nvSpPr>
+          <p:cNvPr id="5" name="4 CuadroTexto"/>
+          <p:cNvSpPr txBox="1"/>
+          <p:nvPr/>
+        </p:nvSpPr>
+        <p:spPr>
+          <a:xfrm>
+            <a:off x="683568" y="1706032"/>
+            <a:ext cx="7416824" cy="1938992"/>
+          </a:xfrm>
+          <a:prstGeom prst="rect">
+            <a:avLst/>
+          </a:prstGeom>
+          <a:noFill/>
+        </p:spPr>
+        <p:txBody>
+          <a:bodyPr wrap="square" rtlCol="0">
+            <a:spAutoFit/>
+          </a:bodyPr>
+          <a:lstStyle/>
+          <a:p>
+            <a:r>
+              <a:rPr lang="es-AR" sz="2400" dirty="0" smtClean="0">
+                <a:latin typeface="Tahoma" pitchFamily="34" charset="0"/>
+                <a:ea typeface="Tahoma" pitchFamily="34" charset="0"/>
+                <a:cs typeface="Tahoma" pitchFamily="34" charset="0"/>
+              </a:rPr>
+              <a:t>Llamamos organización dual aquella que está impregnada de una doble moral, consistente en la oposición/contradicción entre el discurso y la acción, produciendo injusticia y marginación.</a:t>
+            </a:r>
+          </a:p>
+          <a:p>
+            <a:endParaRPr lang="es-AR" sz="2400" dirty="0">
+              <a:latin typeface="Tahoma" pitchFamily="34" charset="0"/>
+              <a:ea typeface="Tahoma" pitchFamily="34" charset="0"/>
+              <a:cs typeface="Tahoma" pitchFamily="34" charset="0"/>
+            </a:endParaRPr>
+          </a:p>
+        </p:txBody>
+      </p:sp>
     </p:spTree>
     <p:extLst>
       <p:ext uri="{BB962C8B-B14F-4D97-AF65-F5344CB8AC3E}">
-        <p14:creationId xmlns:p14="http://schemas.microsoft.com/office/powerpoint/2010/main" val="1059101779"/>
+        <p14:creationId xmlns:p14="http://schemas.microsoft.com/office/powerpoint/2010/main" xmlns="" val="1059101779"/>
       </p:ext>
     </p:extLst>
   </p:cSld>
